--- a/阿里云-云开发平台.pptx
+++ b/阿里云-云开发平台.pptx
@@ -5,7 +5,7 @@
     <p:sldMasterId id="2147483678" r:id="rId1"/>
   </p:sldMasterIdLst>
   <p:notesMasterIdLst>
-    <p:notesMasterId r:id="rId22"/>
+    <p:notesMasterId r:id="rId23"/>
   </p:notesMasterIdLst>
   <p:sldIdLst>
     <p:sldId id="257" r:id="rId2"/>
@@ -13,21 +13,22 @@
     <p:sldId id="335" r:id="rId4"/>
     <p:sldId id="333" r:id="rId5"/>
     <p:sldId id="334" r:id="rId6"/>
-    <p:sldId id="336" r:id="rId7"/>
-    <p:sldId id="331" r:id="rId8"/>
-    <p:sldId id="337" r:id="rId9"/>
-    <p:sldId id="338" r:id="rId10"/>
-    <p:sldId id="339" r:id="rId11"/>
-    <p:sldId id="340" r:id="rId12"/>
-    <p:sldId id="322" r:id="rId13"/>
-    <p:sldId id="323" r:id="rId14"/>
-    <p:sldId id="324" r:id="rId15"/>
-    <p:sldId id="325" r:id="rId16"/>
-    <p:sldId id="326" r:id="rId17"/>
-    <p:sldId id="327" r:id="rId18"/>
-    <p:sldId id="329" r:id="rId19"/>
-    <p:sldId id="330" r:id="rId20"/>
-    <p:sldId id="328" r:id="rId21"/>
+    <p:sldId id="341" r:id="rId7"/>
+    <p:sldId id="336" r:id="rId8"/>
+    <p:sldId id="331" r:id="rId9"/>
+    <p:sldId id="337" r:id="rId10"/>
+    <p:sldId id="338" r:id="rId11"/>
+    <p:sldId id="339" r:id="rId12"/>
+    <p:sldId id="340" r:id="rId13"/>
+    <p:sldId id="322" r:id="rId14"/>
+    <p:sldId id="323" r:id="rId15"/>
+    <p:sldId id="324" r:id="rId16"/>
+    <p:sldId id="325" r:id="rId17"/>
+    <p:sldId id="326" r:id="rId18"/>
+    <p:sldId id="327" r:id="rId19"/>
+    <p:sldId id="329" r:id="rId20"/>
+    <p:sldId id="330" r:id="rId21"/>
+    <p:sldId id="328" r:id="rId22"/>
   </p:sldIdLst>
   <p:sldSz cx="12192000" cy="6858000"/>
   <p:notesSz cx="6858000" cy="9144000"/>
@@ -216,7 +217,7 @@
           <a:p>
             <a:fld id="{0A2FCA5F-0AB4-4B27-9880-843A32CD3FC4}" type="datetimeFigureOut">
               <a:rPr lang="zh-CN" altLang="en-US" smtClean="0"/>
-              <a:t>2021/4/9</a:t>
+              <a:t>2021/4/16</a:t>
             </a:fld>
             <a:endParaRPr lang="zh-CN" altLang="en-US"/>
           </a:p>
@@ -644,7 +645,7 @@
           <a:p>
             <a:fld id="{F810780C-912A-474E-894F-1447CA981AB4}" type="slidenum">
               <a:rPr lang="zh-CN" altLang="en-US" smtClean="0"/>
-              <a:t>7</a:t>
+              <a:t>8</a:t>
             </a:fld>
             <a:endParaRPr lang="zh-CN" altLang="en-US"/>
           </a:p>
@@ -734,7 +735,7 @@
           <a:p>
             <a:fld id="{F810780C-912A-474E-894F-1447CA981AB4}" type="slidenum">
               <a:rPr lang="zh-CN" altLang="en-US" smtClean="0"/>
-              <a:t>8</a:t>
+              <a:t>9</a:t>
             </a:fld>
             <a:endParaRPr lang="zh-CN" altLang="en-US"/>
           </a:p>
@@ -824,7 +825,7 @@
           <a:p>
             <a:fld id="{F810780C-912A-474E-894F-1447CA981AB4}" type="slidenum">
               <a:rPr lang="zh-CN" altLang="en-US" smtClean="0"/>
-              <a:t>12</a:t>
+              <a:t>13</a:t>
             </a:fld>
             <a:endParaRPr lang="zh-CN" altLang="en-US"/>
           </a:p>
@@ -914,7 +915,7 @@
           <a:p>
             <a:fld id="{F810780C-912A-474E-894F-1447CA981AB4}" type="slidenum">
               <a:rPr lang="zh-CN" altLang="en-US" smtClean="0"/>
-              <a:t>13</a:t>
+              <a:t>14</a:t>
             </a:fld>
             <a:endParaRPr lang="zh-CN" altLang="en-US"/>
           </a:p>
@@ -3498,7 +3499,7 @@
           <a:p>
             <a:fld id="{F810780C-912A-474E-894F-1447CA981AB4}" type="slidenum">
               <a:rPr lang="zh-CN" altLang="en-US" smtClean="0"/>
-              <a:t>14</a:t>
+              <a:t>15</a:t>
             </a:fld>
             <a:endParaRPr lang="zh-CN" altLang="en-US"/>
           </a:p>
@@ -3650,7 +3651,7 @@
           <a:p>
             <a:fld id="{51EE646F-F65C-4115-9CFB-3F24605268F9}" type="datetimeFigureOut">
               <a:rPr lang="zh-CN" altLang="en-US" smtClean="0"/>
-              <a:t>2021/4/9</a:t>
+              <a:t>2021/4/16</a:t>
             </a:fld>
             <a:endParaRPr lang="zh-CN" altLang="en-US"/>
           </a:p>
@@ -3937,7 +3938,7 @@
           <a:p>
             <a:fld id="{51EE646F-F65C-4115-9CFB-3F24605268F9}" type="datetimeFigureOut">
               <a:rPr lang="zh-CN" altLang="en-US" smtClean="0"/>
-              <a:t>2021/4/9</a:t>
+              <a:t>2021/4/16</a:t>
             </a:fld>
             <a:endParaRPr lang="zh-CN" altLang="en-US"/>
           </a:p>
@@ -4129,7 +4130,7 @@
           <a:p>
             <a:fld id="{51EE646F-F65C-4115-9CFB-3F24605268F9}" type="datetimeFigureOut">
               <a:rPr lang="zh-CN" altLang="en-US" smtClean="0"/>
-              <a:t>2021/4/9</a:t>
+              <a:t>2021/4/16</a:t>
             </a:fld>
             <a:endParaRPr lang="zh-CN" altLang="en-US"/>
           </a:p>
@@ -4390,7 +4391,7 @@
           <a:p>
             <a:fld id="{51EE646F-F65C-4115-9CFB-3F24605268F9}" type="datetimeFigureOut">
               <a:rPr lang="zh-CN" altLang="en-US" smtClean="0"/>
-              <a:t>2021/4/9</a:t>
+              <a:t>2021/4/16</a:t>
             </a:fld>
             <a:endParaRPr lang="zh-CN" altLang="en-US"/>
           </a:p>
@@ -4814,7 +4815,7 @@
           <a:p>
             <a:fld id="{51EE646F-F65C-4115-9CFB-3F24605268F9}" type="datetimeFigureOut">
               <a:rPr lang="zh-CN" altLang="en-US" smtClean="0"/>
-              <a:t>2021/4/9</a:t>
+              <a:t>2021/4/16</a:t>
             </a:fld>
             <a:endParaRPr lang="zh-CN" altLang="en-US"/>
           </a:p>
@@ -5360,7 +5361,7 @@
           <a:p>
             <a:fld id="{51EE646F-F65C-4115-9CFB-3F24605268F9}" type="datetimeFigureOut">
               <a:rPr lang="zh-CN" altLang="en-US" smtClean="0"/>
-              <a:t>2021/4/9</a:t>
+              <a:t>2021/4/16</a:t>
             </a:fld>
             <a:endParaRPr lang="zh-CN" altLang="en-US"/>
           </a:p>
@@ -6200,7 +6201,7 @@
           <a:p>
             <a:fld id="{51EE646F-F65C-4115-9CFB-3F24605268F9}" type="datetimeFigureOut">
               <a:rPr lang="zh-CN" altLang="en-US" smtClean="0"/>
-              <a:t>2021/4/9</a:t>
+              <a:t>2021/4/16</a:t>
             </a:fld>
             <a:endParaRPr lang="zh-CN" altLang="en-US"/>
           </a:p>
@@ -6370,7 +6371,7 @@
           <a:p>
             <a:fld id="{51EE646F-F65C-4115-9CFB-3F24605268F9}" type="datetimeFigureOut">
               <a:rPr lang="zh-CN" altLang="en-US" smtClean="0"/>
-              <a:t>2021/4/9</a:t>
+              <a:t>2021/4/16</a:t>
             </a:fld>
             <a:endParaRPr lang="zh-CN" altLang="en-US"/>
           </a:p>
@@ -6554,7 +6555,7 @@
           <a:p>
             <a:fld id="{51EE646F-F65C-4115-9CFB-3F24605268F9}" type="datetimeFigureOut">
               <a:rPr lang="zh-CN" altLang="en-US" smtClean="0"/>
-              <a:t>2021/4/9</a:t>
+              <a:t>2021/4/16</a:t>
             </a:fld>
             <a:endParaRPr lang="zh-CN" altLang="en-US"/>
           </a:p>
@@ -6724,7 +6725,7 @@
           <a:p>
             <a:fld id="{51EE646F-F65C-4115-9CFB-3F24605268F9}" type="datetimeFigureOut">
               <a:rPr lang="zh-CN" altLang="en-US" smtClean="0"/>
-              <a:t>2021/4/9</a:t>
+              <a:t>2021/4/16</a:t>
             </a:fld>
             <a:endParaRPr lang="zh-CN" altLang="en-US"/>
           </a:p>
@@ -6972,7 +6973,7 @@
           <a:p>
             <a:fld id="{51EE646F-F65C-4115-9CFB-3F24605268F9}" type="datetimeFigureOut">
               <a:rPr lang="zh-CN" altLang="en-US" smtClean="0"/>
-              <a:t>2021/4/9</a:t>
+              <a:t>2021/4/16</a:t>
             </a:fld>
             <a:endParaRPr lang="zh-CN" altLang="en-US"/>
           </a:p>
@@ -7209,7 +7210,7 @@
           <a:p>
             <a:fld id="{51EE646F-F65C-4115-9CFB-3F24605268F9}" type="datetimeFigureOut">
               <a:rPr lang="zh-CN" altLang="en-US" smtClean="0"/>
-              <a:t>2021/4/9</a:t>
+              <a:t>2021/4/16</a:t>
             </a:fld>
             <a:endParaRPr lang="zh-CN" altLang="en-US"/>
           </a:p>
@@ -7582,7 +7583,7 @@
           <a:p>
             <a:fld id="{51EE646F-F65C-4115-9CFB-3F24605268F9}" type="datetimeFigureOut">
               <a:rPr lang="zh-CN" altLang="en-US" smtClean="0"/>
-              <a:t>2021/4/9</a:t>
+              <a:t>2021/4/16</a:t>
             </a:fld>
             <a:endParaRPr lang="zh-CN" altLang="en-US"/>
           </a:p>
@@ -7700,7 +7701,7 @@
           <a:p>
             <a:fld id="{51EE646F-F65C-4115-9CFB-3F24605268F9}" type="datetimeFigureOut">
               <a:rPr lang="zh-CN" altLang="en-US" smtClean="0"/>
-              <a:t>2021/4/9</a:t>
+              <a:t>2021/4/16</a:t>
             </a:fld>
             <a:endParaRPr lang="zh-CN" altLang="en-US"/>
           </a:p>
@@ -7795,7 +7796,7 @@
           <a:p>
             <a:fld id="{51EE646F-F65C-4115-9CFB-3F24605268F9}" type="datetimeFigureOut">
               <a:rPr lang="zh-CN" altLang="en-US" smtClean="0"/>
-              <a:t>2021/4/9</a:t>
+              <a:t>2021/4/16</a:t>
             </a:fld>
             <a:endParaRPr lang="zh-CN" altLang="en-US"/>
           </a:p>
@@ -8046,7 +8047,7 @@
           <a:p>
             <a:fld id="{51EE646F-F65C-4115-9CFB-3F24605268F9}" type="datetimeFigureOut">
               <a:rPr lang="zh-CN" altLang="en-US" smtClean="0"/>
-              <a:t>2021/4/9</a:t>
+              <a:t>2021/4/16</a:t>
             </a:fld>
             <a:endParaRPr lang="zh-CN" altLang="en-US"/>
           </a:p>
@@ -8333,7 +8334,7 @@
           <a:p>
             <a:fld id="{51EE646F-F65C-4115-9CFB-3F24605268F9}" type="datetimeFigureOut">
               <a:rPr lang="zh-CN" altLang="en-US" smtClean="0"/>
-              <a:t>2021/4/9</a:t>
+              <a:t>2021/4/16</a:t>
             </a:fld>
             <a:endParaRPr lang="zh-CN" altLang="en-US"/>
           </a:p>
@@ -8546,7 +8547,7 @@
           <a:p>
             <a:fld id="{51EE646F-F65C-4115-9CFB-3F24605268F9}" type="datetimeFigureOut">
               <a:rPr lang="zh-CN" altLang="en-US" smtClean="0"/>
-              <a:t>2021/4/9</a:t>
+              <a:t>2021/4/16</a:t>
             </a:fld>
             <a:endParaRPr lang="zh-CN" altLang="en-US"/>
           </a:p>
@@ -9115,6 +9116,66 @@
       </p:grpSpPr>
       <p:pic>
         <p:nvPicPr>
+          <p:cNvPr id="5" name="图片 4">
+            <a:extLst>
+              <a:ext uri="{FF2B5EF4-FFF2-40B4-BE49-F238E27FC236}">
+                <a16:creationId xmlns:a16="http://schemas.microsoft.com/office/drawing/2014/main" id="{B5C373E8-66E3-4DAD-8BE9-E01D41BA375A}"/>
+              </a:ext>
+            </a:extLst>
+          </p:cNvPr>
+          <p:cNvPicPr>
+            <a:picLocks noChangeAspect="1"/>
+          </p:cNvPicPr>
+          <p:nvPr/>
+        </p:nvPicPr>
+        <p:blipFill>
+          <a:blip r:embed="rId2"/>
+          <a:stretch>
+            <a:fillRect/>
+          </a:stretch>
+        </p:blipFill>
+        <p:spPr>
+          <a:xfrm>
+            <a:off x="1380660" y="0"/>
+            <a:ext cx="9157448" cy="6858000"/>
+          </a:xfrm>
+          <a:prstGeom prst="rect">
+            <a:avLst/>
+          </a:prstGeom>
+        </p:spPr>
+      </p:pic>
+    </p:spTree>
+    <p:extLst>
+      <p:ext uri="{BB962C8B-B14F-4D97-AF65-F5344CB8AC3E}">
+        <p14:creationId xmlns:p14="http://schemas.microsoft.com/office/powerpoint/2010/main" val="1996822691"/>
+      </p:ext>
+    </p:extLst>
+  </p:cSld>
+  <p:clrMapOvr>
+    <a:masterClrMapping/>
+  </p:clrMapOvr>
+</p:sld>
+</file>
+
+<file path=ppt/slides/slide11.xml><?xml version="1.0" encoding="utf-8"?>
+<p:sld xmlns:a="http://schemas.openxmlformats.org/drawingml/2006/main" xmlns:r="http://schemas.openxmlformats.org/officeDocument/2006/relationships" xmlns:p="http://schemas.openxmlformats.org/presentationml/2006/main">
+  <p:cSld>
+    <p:spTree>
+      <p:nvGrpSpPr>
+        <p:cNvPr id="1" name=""/>
+        <p:cNvGrpSpPr/>
+        <p:nvPr/>
+      </p:nvGrpSpPr>
+      <p:grpSpPr>
+        <a:xfrm>
+          <a:off x="0" y="0"/>
+          <a:ext cx="0" cy="0"/>
+          <a:chOff x="0" y="0"/>
+          <a:chExt cx="0" cy="0"/>
+        </a:xfrm>
+      </p:grpSpPr>
+      <p:pic>
+        <p:nvPicPr>
           <p:cNvPr id="6" name="图片 5">
             <a:extLst>
               <a:ext uri="{FF2B5EF4-FFF2-40B4-BE49-F238E27FC236}">
@@ -9156,7 +9217,7 @@
 </p:sld>
 </file>
 
-<file path=ppt/slides/slide11.xml><?xml version="1.0" encoding="utf-8"?>
+<file path=ppt/slides/slide12.xml><?xml version="1.0" encoding="utf-8"?>
 <p:sld xmlns:a="http://schemas.openxmlformats.org/drawingml/2006/main" xmlns:r="http://schemas.openxmlformats.org/officeDocument/2006/relationships" xmlns:p="http://schemas.openxmlformats.org/presentationml/2006/main">
   <p:cSld>
     <p:bg>
@@ -9238,153 +9299,6 @@
 </p:sld>
 </file>
 
-<file path=ppt/slides/slide12.xml><?xml version="1.0" encoding="utf-8"?>
-<p:sld xmlns:a="http://schemas.openxmlformats.org/drawingml/2006/main" xmlns:r="http://schemas.openxmlformats.org/officeDocument/2006/relationships" xmlns:p="http://schemas.openxmlformats.org/presentationml/2006/main">
-  <p:cSld>
-    <p:spTree>
-      <p:nvGrpSpPr>
-        <p:cNvPr id="1" name=""/>
-        <p:cNvGrpSpPr/>
-        <p:nvPr/>
-      </p:nvGrpSpPr>
-      <p:grpSpPr>
-        <a:xfrm>
-          <a:off x="0" y="0"/>
-          <a:ext cx="0" cy="0"/>
-          <a:chOff x="0" y="0"/>
-          <a:chExt cx="0" cy="0"/>
-        </a:xfrm>
-      </p:grpSpPr>
-      <p:sp>
-        <p:nvSpPr>
-          <p:cNvPr id="3" name="内容占位符 2">
-            <a:extLst>
-              <a:ext uri="{FF2B5EF4-FFF2-40B4-BE49-F238E27FC236}">
-                <a16:creationId xmlns:a16="http://schemas.microsoft.com/office/drawing/2014/main" id="{08D9BE8F-C60A-45DA-B7B1-9FF42523BA02}"/>
-              </a:ext>
-            </a:extLst>
-          </p:cNvPr>
-          <p:cNvSpPr>
-            <a:spLocks noGrp="1"/>
-          </p:cNvSpPr>
-          <p:nvPr>
-            <p:ph idx="1"/>
-          </p:nvPr>
-        </p:nvSpPr>
-        <p:spPr>
-          <a:xfrm>
-            <a:off x="0" y="0"/>
-            <a:ext cx="11935326" cy="6858000"/>
-          </a:xfrm>
-        </p:spPr>
-        <p:txBody>
-          <a:bodyPr>
-            <a:noAutofit/>
-          </a:bodyPr>
-          <a:lstStyle/>
-          <a:p>
-            <a:pPr marL="0" indent="0">
-              <a:spcBef>
-                <a:spcPts val="200"/>
-              </a:spcBef>
-              <a:buNone/>
-            </a:pPr>
-            <a:r>
-              <a:rPr lang="zh-CN" altLang="en-US" sz="6000" b="1" dirty="0"/>
-              <a:t>阿里云云开发平台</a:t>
-            </a:r>
-            <a:endParaRPr lang="en-US" altLang="zh-CN" sz="6000" b="1" dirty="0"/>
-          </a:p>
-          <a:p>
-            <a:pPr marL="0" indent="0">
-              <a:spcBef>
-                <a:spcPts val="200"/>
-              </a:spcBef>
-              <a:buNone/>
-            </a:pPr>
-            <a:r>
-              <a:rPr lang="en-US" altLang="zh-CN" sz="5000" dirty="0"/>
-              <a:t>1</a:t>
-            </a:r>
-            <a:r>
-              <a:rPr lang="zh-CN" altLang="en-US" sz="5000" dirty="0"/>
-              <a:t>、阿里云不仅提供了</a:t>
-            </a:r>
-            <a:r>
-              <a:rPr lang="en-US" altLang="zh-CN" sz="5000" dirty="0"/>
-              <a:t>ECS</a:t>
-            </a:r>
-            <a:r>
-              <a:rPr lang="zh-CN" altLang="en-US" sz="5000" dirty="0"/>
-              <a:t>等传统云计算，也提供了</a:t>
-            </a:r>
-            <a:r>
-              <a:rPr lang="en-US" altLang="zh-CN" sz="5000" dirty="0"/>
-              <a:t>Serverless</a:t>
-            </a:r>
-            <a:r>
-              <a:rPr lang="zh-CN" altLang="en-US" sz="5000" dirty="0"/>
-              <a:t>等，更提供了“云开发平台”</a:t>
-            </a:r>
-            <a:endParaRPr lang="en-US" altLang="zh-CN" sz="5000" dirty="0"/>
-          </a:p>
-          <a:p>
-            <a:pPr marL="0" indent="0">
-              <a:spcBef>
-                <a:spcPts val="200"/>
-              </a:spcBef>
-              <a:buNone/>
-            </a:pPr>
-            <a:r>
-              <a:rPr lang="en-US" altLang="zh-CN" sz="5000" dirty="0"/>
-              <a:t>2</a:t>
-            </a:r>
-            <a:r>
-              <a:rPr lang="zh-CN" altLang="en-US" sz="5000" dirty="0"/>
-              <a:t>、开发、测试、部署等整个的开发周期全部都在“阿里云 云开发平台”上进行。</a:t>
-            </a:r>
-            <a:endParaRPr lang="en-US" altLang="zh-CN" sz="5000" dirty="0"/>
-          </a:p>
-          <a:p>
-            <a:pPr marL="0" indent="0">
-              <a:spcBef>
-                <a:spcPts val="200"/>
-              </a:spcBef>
-              <a:buNone/>
-            </a:pPr>
-            <a:r>
-              <a:rPr lang="en-US" altLang="zh-CN" sz="5000" dirty="0"/>
-              <a:t>3</a:t>
-            </a:r>
-            <a:r>
-              <a:rPr lang="zh-CN" altLang="en-US" sz="5000" dirty="0"/>
-              <a:t>、</a:t>
-            </a:r>
-            <a:r>
-              <a:rPr lang="en-US" altLang="zh-CN" sz="5000" dirty="0"/>
-              <a:t>aliyun.com</a:t>
-            </a:r>
-            <a:r>
-              <a:rPr lang="zh-CN" altLang="en-US" sz="5000" dirty="0"/>
-              <a:t>→开发者→云开发平台</a:t>
-            </a:r>
-            <a:endParaRPr lang="en-US" altLang="zh-CN" sz="5000" dirty="0"/>
-          </a:p>
-        </p:txBody>
-      </p:sp>
-    </p:spTree>
-    <p:extLst>
-      <p:ext uri="{BB962C8B-B14F-4D97-AF65-F5344CB8AC3E}">
-        <p14:creationId xmlns:p14="http://schemas.microsoft.com/office/powerpoint/2010/main" val="3959838179"/>
-      </p:ext>
-    </p:extLst>
-  </p:cSld>
-  <p:clrMapOvr>
-    <a:masterClrMapping/>
-  </p:clrMapOvr>
-</p:sld>
-</file>
-
 <file path=ppt/slides/slide13.xml><?xml version="1.0" encoding="utf-8"?>
 <p:sld xmlns:a="http://schemas.openxmlformats.org/drawingml/2006/main" xmlns:r="http://schemas.openxmlformats.org/officeDocument/2006/relationships" xmlns:p="http://schemas.openxmlformats.org/presentationml/2006/main">
   <p:cSld>
@@ -9437,21 +9351,10 @@
               <a:buNone/>
             </a:pPr>
             <a:r>
-              <a:rPr lang="zh-CN" altLang="en-US" sz="5000" dirty="0"/>
-              <a:t>入门“阿里云</a:t>
-            </a:r>
-            <a:r>
-              <a:rPr lang="en-US" altLang="zh-CN" sz="5000" dirty="0"/>
-              <a:t>-</a:t>
-            </a:r>
-            <a:r>
-              <a:rPr lang="zh-CN" altLang="en-US" sz="5000" dirty="0"/>
-              <a:t>云开发平台”</a:t>
-            </a:r>
-            <a:r>
-              <a:rPr lang="en-US" altLang="zh-CN" sz="5000" dirty="0"/>
-              <a:t>1</a:t>
-            </a:r>
+              <a:rPr lang="zh-CN" altLang="en-US" sz="6000" b="1" dirty="0"/>
+              <a:t>阿里云云开发平台</a:t>
+            </a:r>
+            <a:endParaRPr lang="en-US" altLang="zh-CN" sz="6000" b="1" dirty="0"/>
           </a:p>
           <a:p>
             <a:pPr marL="0" indent="0">
@@ -9461,50 +9364,30 @@
               <a:buNone/>
             </a:pPr>
             <a:r>
-              <a:rPr lang="zh-CN" altLang="en-US" sz="2800" dirty="0"/>
-              <a:t>目的：开发一个</a:t>
-            </a:r>
-            <a:r>
-              <a:rPr lang="en-US" altLang="zh-CN" sz="2800" dirty="0"/>
-              <a:t>Ajax</a:t>
-            </a:r>
-            <a:r>
-              <a:rPr lang="zh-CN" altLang="en-US" sz="2800" dirty="0"/>
-              <a:t>接口，随机返回一个单词。展示完成的效果，没难度，主要是熟悉一下“阿里云</a:t>
-            </a:r>
-            <a:r>
-              <a:rPr lang="en-US" altLang="zh-CN" sz="2800" dirty="0"/>
-              <a:t>-</a:t>
-            </a:r>
-            <a:r>
-              <a:rPr lang="zh-CN" altLang="en-US" sz="2800" dirty="0"/>
-              <a:t>云开发平台” 。需要读者有一定的</a:t>
-            </a:r>
-            <a:r>
-              <a:rPr lang="en-US" altLang="zh-CN" sz="2800" dirty="0"/>
-              <a:t>Web</a:t>
-            </a:r>
-            <a:r>
-              <a:rPr lang="zh-CN" altLang="en-US" sz="2800" dirty="0"/>
-              <a:t>开发基础，用过</a:t>
-            </a:r>
-            <a:r>
-              <a:rPr lang="en-US" altLang="zh-CN" sz="2800" dirty="0" err="1"/>
-              <a:t>SpringBoot</a:t>
-            </a:r>
-            <a:r>
-              <a:rPr lang="zh-CN" altLang="en-US" sz="2800" dirty="0"/>
-              <a:t>更好，这里不讲解</a:t>
-            </a:r>
-            <a:r>
-              <a:rPr lang="en-US" altLang="zh-CN" sz="2800" dirty="0" err="1"/>
-              <a:t>SpringBoot</a:t>
-            </a:r>
-            <a:r>
-              <a:rPr lang="zh-CN" altLang="en-US" sz="2800" dirty="0"/>
-              <a:t>基础。</a:t>
-            </a:r>
-            <a:endParaRPr lang="en-US" altLang="zh-CN" sz="2800" dirty="0"/>
+              <a:rPr lang="en-US" altLang="zh-CN" sz="5000" dirty="0"/>
+              <a:t>1</a:t>
+            </a:r>
+            <a:r>
+              <a:rPr lang="zh-CN" altLang="en-US" sz="5000" dirty="0"/>
+              <a:t>、阿里云不仅提供了</a:t>
+            </a:r>
+            <a:r>
+              <a:rPr lang="en-US" altLang="zh-CN" sz="5000" dirty="0"/>
+              <a:t>ECS</a:t>
+            </a:r>
+            <a:r>
+              <a:rPr lang="zh-CN" altLang="en-US" sz="5000" dirty="0"/>
+              <a:t>等传统云计算，也提供了</a:t>
+            </a:r>
+            <a:r>
+              <a:rPr lang="en-US" altLang="zh-CN" sz="5000" dirty="0"/>
+              <a:t>Serverless</a:t>
+            </a:r>
+            <a:r>
+              <a:rPr lang="zh-CN" altLang="en-US" sz="5000" dirty="0"/>
+              <a:t>等，更提供了“云开发平台”</a:t>
+            </a:r>
+            <a:endParaRPr lang="en-US" altLang="zh-CN" sz="5000" dirty="0"/>
           </a:p>
           <a:p>
             <a:pPr marL="0" indent="0">
@@ -9514,30 +9397,14 @@
               <a:buNone/>
             </a:pPr>
             <a:r>
-              <a:rPr lang="en-US" altLang="zh-CN" sz="2800" dirty="0"/>
-              <a:t>1</a:t>
-            </a:r>
-            <a:r>
-              <a:rPr lang="zh-CN" altLang="en-US" sz="2800" dirty="0"/>
-              <a:t>、新建一个应用，</a:t>
-            </a:r>
-            <a:r>
-              <a:rPr lang="en-US" altLang="zh-CN" sz="2800" dirty="0"/>
-              <a:t>java</a:t>
-            </a:r>
-            <a:r>
-              <a:rPr lang="zh-CN" altLang="en-US" sz="2800" dirty="0"/>
-              <a:t>，不用模板。生成的项目模板是</a:t>
-            </a:r>
-            <a:r>
-              <a:rPr lang="en-US" altLang="zh-CN" sz="2800" dirty="0"/>
-              <a:t>spring boot</a:t>
-            </a:r>
-            <a:r>
-              <a:rPr lang="zh-CN" altLang="en-US" sz="2800" dirty="0"/>
-              <a:t>框架。</a:t>
-            </a:r>
-            <a:endParaRPr lang="en-US" altLang="zh-CN" sz="2800" dirty="0"/>
+              <a:rPr lang="en-US" altLang="zh-CN" sz="5000" dirty="0"/>
+              <a:t>2</a:t>
+            </a:r>
+            <a:r>
+              <a:rPr lang="zh-CN" altLang="en-US" sz="5000" dirty="0"/>
+              <a:t>、开发、测试、部署等整个的开发周期全部都在“阿里云 云开发平台”上进行。</a:t>
+            </a:r>
+            <a:endParaRPr lang="en-US" altLang="zh-CN" sz="5000" dirty="0"/>
           </a:p>
           <a:p>
             <a:pPr marL="0" indent="0">
@@ -9547,178 +9414,29 @@
               <a:buNone/>
             </a:pPr>
             <a:r>
-              <a:rPr lang="en-US" altLang="zh-CN" sz="2800" dirty="0"/>
-              <a:t>2</a:t>
-            </a:r>
-            <a:r>
-              <a:rPr lang="zh-CN" altLang="en-US" sz="2800" dirty="0"/>
-              <a:t>、删除没必要的文件，</a:t>
-            </a:r>
-            <a:r>
-              <a:rPr lang="en-NZ" altLang="zh-CN" sz="2800" dirty="0"/>
-              <a:t>(</a:t>
-            </a:r>
-            <a:r>
-              <a:rPr lang="zh-CN" altLang="en-US" sz="2800" dirty="0"/>
-              <a:t>也能是</a:t>
-            </a:r>
-            <a:r>
-              <a:rPr lang="en-NZ" altLang="zh-CN" sz="2800" dirty="0"/>
-              <a:t>bug</a:t>
-            </a:r>
-            <a:r>
-              <a:rPr lang="zh-CN" altLang="en-NZ" sz="2800" dirty="0"/>
-              <a:t>，</a:t>
-            </a:r>
-            <a:r>
-              <a:rPr lang="zh-CN" altLang="en-US" sz="2800" dirty="0"/>
-              <a:t>删完了都要刷新页面。也碰到过没有</a:t>
-            </a:r>
-            <a:r>
-              <a:rPr lang="en-US" altLang="zh-CN" sz="2800" dirty="0"/>
-              <a:t>【</a:t>
-            </a:r>
-            <a:r>
-              <a:rPr lang="zh-CN" altLang="en-US" sz="2800" dirty="0"/>
-              <a:t>新建文件夹</a:t>
-            </a:r>
-            <a:r>
-              <a:rPr lang="en-US" altLang="zh-CN" sz="2800" dirty="0"/>
-              <a:t>】</a:t>
-            </a:r>
-            <a:r>
-              <a:rPr lang="zh-CN" altLang="en-US" sz="2800" dirty="0"/>
-              <a:t>菜单等</a:t>
-            </a:r>
-            <a:r>
-              <a:rPr lang="en-NZ" altLang="zh-CN" sz="2800" dirty="0"/>
-              <a:t>bug</a:t>
-            </a:r>
-            <a:r>
-              <a:rPr lang="zh-CN" altLang="en-NZ" sz="2800" dirty="0"/>
-              <a:t>，</a:t>
-            </a:r>
-            <a:r>
-              <a:rPr lang="zh-CN" altLang="en-US" sz="2800" dirty="0"/>
-              <a:t>刷新页面即可</a:t>
-            </a:r>
-            <a:r>
-              <a:rPr lang="en-US" altLang="zh-CN" sz="2800" dirty="0"/>
-              <a:t>)</a:t>
-            </a:r>
-            <a:r>
-              <a:rPr lang="zh-CN" altLang="en-US" sz="2800" dirty="0"/>
-              <a:t>、只保留</a:t>
-            </a:r>
-            <a:r>
-              <a:rPr lang="en-NZ" altLang="zh-CN" sz="2800" dirty="0" err="1"/>
-              <a:t>MainController</a:t>
-            </a:r>
-            <a:r>
-              <a:rPr lang="zh-CN" altLang="en-NZ" sz="2800" dirty="0"/>
+              <a:rPr lang="en-US" altLang="zh-CN" sz="5000" dirty="0"/>
+              <a:t>3</a:t>
+            </a:r>
+            <a:r>
+              <a:rPr lang="zh-CN" altLang="en-US" sz="5000" dirty="0"/>
               <a:t>、</a:t>
             </a:r>
             <a:r>
-              <a:rPr lang="en-NZ" altLang="zh-CN" sz="2800" dirty="0" err="1"/>
-              <a:t>HealthController</a:t>
-            </a:r>
-            <a:r>
-              <a:rPr lang="zh-CN" altLang="en-US" sz="2800" dirty="0"/>
-              <a:t>等主要文件，可以根据需要修改包名，如果修改了</a:t>
-            </a:r>
-            <a:r>
-              <a:rPr lang="en-NZ" altLang="zh-CN" sz="2800" dirty="0"/>
-              <a:t>Application.java</a:t>
-            </a:r>
-            <a:r>
-              <a:rPr lang="zh-CN" altLang="en-US" sz="2800" dirty="0"/>
-              <a:t>的包名，不要忘了到</a:t>
-            </a:r>
-            <a:r>
-              <a:rPr lang="en-NZ" altLang="zh-CN" sz="2800" dirty="0"/>
-              <a:t>pom.xml</a:t>
-            </a:r>
-            <a:r>
-              <a:rPr lang="zh-CN" altLang="en-US" sz="2800" dirty="0"/>
-              <a:t>的中修改</a:t>
-            </a:r>
-            <a:r>
-              <a:rPr lang="en-NZ" altLang="zh-CN" sz="2800" dirty="0" err="1"/>
-              <a:t>mainClass</a:t>
-            </a:r>
-            <a:r>
-              <a:rPr lang="zh-CN" altLang="en-US" sz="2800" dirty="0"/>
-              <a:t>的包名，否则运行会报错“</a:t>
-            </a:r>
-            <a:r>
-              <a:rPr lang="en-NZ" altLang="zh-CN" sz="2800" dirty="0"/>
-              <a:t>Could not find or load main class”</a:t>
-            </a:r>
-            <a:r>
-              <a:rPr lang="zh-CN" altLang="en-US" sz="2800" dirty="0"/>
-              <a:t>。</a:t>
-            </a:r>
-            <a:endParaRPr lang="en-US" altLang="zh-CN" sz="2800" dirty="0"/>
-          </a:p>
-          <a:p>
-            <a:pPr marL="0" indent="0">
-              <a:spcBef>
-                <a:spcPts val="200"/>
-              </a:spcBef>
-              <a:buNone/>
-            </a:pPr>
-            <a:r>
-              <a:rPr lang="en-US" altLang="zh-CN" sz="2800" dirty="0"/>
-              <a:t>3</a:t>
-            </a:r>
-            <a:r>
-              <a:rPr lang="zh-CN" altLang="en-US" sz="2800" dirty="0"/>
-              <a:t>、一定要删除</a:t>
-            </a:r>
-            <a:r>
-              <a:rPr lang="en-NZ" altLang="zh-CN" sz="2800" dirty="0"/>
-              <a:t>pom.xml</a:t>
-            </a:r>
-            <a:r>
-              <a:rPr lang="zh-CN" altLang="en-US" sz="2800" dirty="0"/>
-              <a:t>中的</a:t>
-            </a:r>
-            <a:r>
-              <a:rPr lang="en-NZ" altLang="zh-CN" sz="2800" dirty="0" err="1"/>
-              <a:t>mongodb</a:t>
-            </a:r>
-            <a:r>
-              <a:rPr lang="zh-CN" altLang="en-US" sz="2800" dirty="0"/>
-              <a:t>的</a:t>
-            </a:r>
-            <a:r>
-              <a:rPr lang="en-NZ" altLang="zh-CN" sz="2800" dirty="0"/>
-              <a:t>dependency</a:t>
-            </a:r>
-            <a:r>
-              <a:rPr lang="zh-CN" altLang="en-NZ" sz="2800" dirty="0"/>
-              <a:t>，</a:t>
-            </a:r>
-            <a:r>
-              <a:rPr lang="zh-CN" altLang="en-US" sz="2800" dirty="0"/>
-              <a:t>否则会尝试链接</a:t>
-            </a:r>
-            <a:r>
-              <a:rPr lang="en-NZ" altLang="zh-CN" sz="2800" dirty="0" err="1"/>
-              <a:t>mongodb</a:t>
-            </a:r>
-            <a:r>
-              <a:rPr lang="zh-CN" altLang="en-US" sz="2800" dirty="0"/>
-              <a:t>。</a:t>
-            </a:r>
-            <a:endParaRPr lang="en-US" altLang="zh-CN" sz="2800" dirty="0"/>
+              <a:rPr lang="en-US" altLang="zh-CN" sz="5000" dirty="0"/>
+              <a:t>aliyun.com</a:t>
+            </a:r>
+            <a:r>
+              <a:rPr lang="zh-CN" altLang="en-US" sz="5000" dirty="0"/>
+              <a:t>→开发者→云开发平台</a:t>
+            </a:r>
+            <a:endParaRPr lang="en-US" altLang="zh-CN" sz="5000" dirty="0"/>
           </a:p>
         </p:txBody>
       </p:sp>
     </p:spTree>
     <p:extLst>
       <p:ext uri="{BB962C8B-B14F-4D97-AF65-F5344CB8AC3E}">
-        <p14:creationId xmlns:p14="http://schemas.microsoft.com/office/powerpoint/2010/main" val="623155947"/>
+        <p14:creationId xmlns:p14="http://schemas.microsoft.com/office/powerpoint/2010/main" val="3959838179"/>
       </p:ext>
     </p:extLst>
   </p:cSld>
@@ -9793,7 +9511,7 @@
             </a:r>
             <a:r>
               <a:rPr lang="en-US" altLang="zh-CN" sz="5000" dirty="0"/>
-              <a:t>2</a:t>
+              <a:t>1</a:t>
             </a:r>
           </a:p>
           <a:p>
@@ -9804,36 +9522,48 @@
               <a:buNone/>
             </a:pPr>
             <a:r>
+              <a:rPr lang="zh-CN" altLang="en-US" sz="2800" dirty="0"/>
+              <a:t>目的：开发一个</a:t>
+            </a:r>
+            <a:r>
               <a:rPr lang="en-US" altLang="zh-CN" sz="2800" dirty="0"/>
-              <a:t>1</a:t>
+              <a:t>Ajax</a:t>
             </a:r>
             <a:r>
               <a:rPr lang="zh-CN" altLang="en-US" sz="2800" dirty="0"/>
-              <a:t>、声明一个要返回的单词类：</a:t>
-            </a:r>
-            <a:r>
-              <a:rPr lang="en-NZ" altLang="zh-CN" sz="2800" dirty="0"/>
-              <a:t>Word</a:t>
+              <a:t>接口，随机返回一个单词。展示完成的效果，没难度，主要是熟悉一下“阿里云</a:t>
+            </a:r>
+            <a:r>
+              <a:rPr lang="en-US" altLang="zh-CN" sz="2800" dirty="0"/>
+              <a:t>-</a:t>
             </a:r>
             <a:r>
               <a:rPr lang="zh-CN" altLang="en-US" sz="2800" dirty="0"/>
-              <a:t>，包含</a:t>
-            </a:r>
-            <a:r>
-              <a:rPr lang="en-NZ" altLang="zh-CN" sz="2800" dirty="0"/>
-              <a:t>word</a:t>
+              <a:t>云开发平台” 。需要读者有一定的</a:t>
+            </a:r>
+            <a:r>
+              <a:rPr lang="en-US" altLang="zh-CN" sz="2800" dirty="0"/>
+              <a:t>Web</a:t>
             </a:r>
             <a:r>
               <a:rPr lang="zh-CN" altLang="en-US" sz="2800" dirty="0"/>
-              <a:t>、</a:t>
-            </a:r>
-            <a:r>
-              <a:rPr lang="en-NZ" altLang="zh-CN" sz="2800" dirty="0" err="1"/>
-              <a:t>chinese</a:t>
+              <a:t>开发基础，用过</a:t>
+            </a:r>
+            <a:r>
+              <a:rPr lang="en-US" altLang="zh-CN" sz="2800" dirty="0" err="1"/>
+              <a:t>SpringBoot</a:t>
             </a:r>
             <a:r>
               <a:rPr lang="zh-CN" altLang="en-US" sz="2800" dirty="0"/>
-              <a:t>两个属性。</a:t>
+              <a:t>更好，这里不讲解</a:t>
+            </a:r>
+            <a:r>
+              <a:rPr lang="en-US" altLang="zh-CN" sz="2800" dirty="0" err="1"/>
+              <a:t>SpringBoot</a:t>
+            </a:r>
+            <a:r>
+              <a:rPr lang="zh-CN" altLang="en-US" sz="2800" dirty="0"/>
+              <a:t>基础。</a:t>
             </a:r>
             <a:endParaRPr lang="en-US" altLang="zh-CN" sz="2800" dirty="0"/>
           </a:p>
@@ -9846,59 +9576,27 @@
             </a:pPr>
             <a:r>
               <a:rPr lang="en-US" altLang="zh-CN" sz="2800" dirty="0"/>
-              <a:t>2</a:t>
+              <a:t>1</a:t>
             </a:r>
             <a:r>
               <a:rPr lang="zh-CN" altLang="en-US" sz="2800" dirty="0"/>
-              <a:t>、编写一个</a:t>
+              <a:t>、新建一个应用，</a:t>
             </a:r>
             <a:r>
               <a:rPr lang="en-US" altLang="zh-CN" sz="2800" dirty="0"/>
-              <a:t>Action</a:t>
+              <a:t>java</a:t>
             </a:r>
             <a:r>
               <a:rPr lang="zh-CN" altLang="en-US" sz="2800" dirty="0"/>
-              <a:t>方法，返回一个随机的</a:t>
+              <a:t>，不用模板。生成的项目模板是</a:t>
             </a:r>
             <a:r>
               <a:rPr lang="en-US" altLang="zh-CN" sz="2800" dirty="0"/>
-              <a:t>Word</a:t>
+              <a:t>spring boot</a:t>
             </a:r>
             <a:r>
               <a:rPr lang="zh-CN" altLang="en-US" sz="2800" dirty="0"/>
-              <a:t>。设定</a:t>
-            </a:r>
-            <a:r>
-              <a:rPr lang="en-NZ" altLang="zh-CN" sz="2800" dirty="0" err="1"/>
-              <a:t>RequestMapping</a:t>
-            </a:r>
-            <a:r>
-              <a:rPr lang="zh-CN" altLang="en-US" sz="2800" dirty="0"/>
-              <a:t>的值为</a:t>
-            </a:r>
-            <a:r>
-              <a:rPr lang="en-NZ" altLang="zh-CN" sz="2800" dirty="0"/>
-              <a:t>"/</a:t>
-            </a:r>
-            <a:r>
-              <a:rPr lang="en-NZ" altLang="zh-CN" sz="2800" dirty="0" err="1"/>
-              <a:t>api</a:t>
-            </a:r>
-            <a:r>
-              <a:rPr lang="en-NZ" altLang="zh-CN" sz="2800" dirty="0"/>
-              <a:t>/</a:t>
-            </a:r>
-            <a:r>
-              <a:rPr lang="en-NZ" altLang="zh-CN" sz="2800" dirty="0" err="1"/>
-              <a:t>getAnyWord</a:t>
-            </a:r>
-            <a:r>
-              <a:rPr lang="en-NZ" altLang="zh-CN" sz="2800" dirty="0"/>
-              <a:t>"</a:t>
-            </a:r>
-            <a:r>
-              <a:rPr lang="zh-CN" altLang="en-US" sz="2800" dirty="0"/>
-              <a:t>。</a:t>
+              <a:t>框架。</a:t>
             </a:r>
             <a:endParaRPr lang="en-US" altLang="zh-CN" sz="2800" dirty="0"/>
           </a:p>
@@ -9911,11 +9609,31 @@
             </a:pPr>
             <a:r>
               <a:rPr lang="en-US" altLang="zh-CN" sz="2800" dirty="0"/>
-              <a:t>3</a:t>
+              <a:t>2</a:t>
             </a:r>
             <a:r>
               <a:rPr lang="zh-CN" altLang="en-US" sz="2800" dirty="0"/>
-              <a:t>、先测试一下接口，</a:t>
+              <a:t>、删除没必要的文件，</a:t>
+            </a:r>
+            <a:r>
+              <a:rPr lang="en-NZ" altLang="zh-CN" sz="2800" dirty="0"/>
+              <a:t>(</a:t>
+            </a:r>
+            <a:r>
+              <a:rPr lang="zh-CN" altLang="en-US" sz="2800" dirty="0"/>
+              <a:t>也能是</a:t>
+            </a:r>
+            <a:r>
+              <a:rPr lang="en-NZ" altLang="zh-CN" sz="2800" dirty="0"/>
+              <a:t>bug</a:t>
+            </a:r>
+            <a:r>
+              <a:rPr lang="zh-CN" altLang="en-NZ" sz="2800" dirty="0"/>
+              <a:t>，</a:t>
+            </a:r>
+            <a:r>
+              <a:rPr lang="zh-CN" altLang="en-US" sz="2800" dirty="0"/>
+              <a:t>删完了都要刷新页面。也碰到过没有</a:t>
             </a:r>
             <a:r>
               <a:rPr lang="en-US" altLang="zh-CN" sz="2800" dirty="0"/>
@@ -9923,7 +9641,7 @@
             </a:r>
             <a:r>
               <a:rPr lang="zh-CN" altLang="en-US" sz="2800" dirty="0"/>
-              <a:t>终端</a:t>
+              <a:t>新建文件夹</a:t>
             </a:r>
             <a:r>
               <a:rPr lang="en-US" altLang="zh-CN" sz="2800" dirty="0"/>
@@ -9931,55 +9649,75 @@
             </a:r>
             <a:r>
               <a:rPr lang="zh-CN" altLang="en-US" sz="2800" dirty="0"/>
-              <a:t>中输入</a:t>
-            </a:r>
-            <a:r>
-              <a:rPr lang="en-US" altLang="zh-CN" sz="2800" dirty="0" err="1"/>
-              <a:t>mvn</a:t>
+              <a:t>菜单等</a:t>
+            </a:r>
+            <a:r>
+              <a:rPr lang="en-NZ" altLang="zh-CN" sz="2800" dirty="0"/>
+              <a:t>bug</a:t>
+            </a:r>
+            <a:r>
+              <a:rPr lang="zh-CN" altLang="en-NZ" sz="2800" dirty="0"/>
+              <a:t>，</a:t>
+            </a:r>
+            <a:r>
+              <a:rPr lang="zh-CN" altLang="en-US" sz="2800" dirty="0"/>
+              <a:t>刷新页面即可</a:t>
             </a:r>
             <a:r>
               <a:rPr lang="en-US" altLang="zh-CN" sz="2800" dirty="0"/>
-              <a:t> </a:t>
-            </a:r>
-            <a:r>
-              <a:rPr lang="en-US" altLang="zh-CN" sz="2800" dirty="0" err="1"/>
-              <a:t>spring-boot:run</a:t>
+              <a:t>)</a:t>
             </a:r>
             <a:r>
               <a:rPr lang="zh-CN" altLang="en-US" sz="2800" dirty="0"/>
-              <a:t>运行（要注意是否运行成功了），然后在左下角中</a:t>
-            </a:r>
-            <a:r>
-              <a:rPr lang="en-US" altLang="zh-CN" sz="2800" dirty="0"/>
-              <a:t>【</a:t>
+              <a:t>、只保留</a:t>
+            </a:r>
+            <a:r>
+              <a:rPr lang="en-NZ" altLang="zh-CN" sz="2800" dirty="0" err="1"/>
+              <a:t>MainController</a:t>
+            </a:r>
+            <a:r>
+              <a:rPr lang="zh-CN" altLang="en-NZ" sz="2800" dirty="0"/>
+              <a:t>、</a:t>
+            </a:r>
+            <a:r>
+              <a:rPr lang="en-NZ" altLang="zh-CN" sz="2800" dirty="0" err="1"/>
+              <a:t>HealthController</a:t>
             </a:r>
             <a:r>
               <a:rPr lang="zh-CN" altLang="en-US" sz="2800" dirty="0"/>
-              <a:t>预览</a:t>
-            </a:r>
-            <a:r>
-              <a:rPr lang="en-US" altLang="zh-CN" sz="2800" dirty="0"/>
-              <a:t>】</a:t>
+              <a:t>等主要文件，可以根据需要修改包名，如果修改了</a:t>
+            </a:r>
+            <a:r>
+              <a:rPr lang="en-NZ" altLang="zh-CN" sz="2800" dirty="0"/>
+              <a:t>Application.java</a:t>
             </a:r>
             <a:r>
               <a:rPr lang="zh-CN" altLang="en-US" sz="2800" dirty="0"/>
-              <a:t>，然后在上面的搜索框输入一个映射的端口号，右下角提示是否访问中，点击</a:t>
-            </a:r>
-            <a:r>
-              <a:rPr lang="en-US" altLang="zh-CN" sz="2800" dirty="0"/>
-              <a:t>【</a:t>
+              <a:t>的包名，不要忘了到</a:t>
+            </a:r>
+            <a:r>
+              <a:rPr lang="en-NZ" altLang="zh-CN" sz="2800" dirty="0"/>
+              <a:t>pom.xml</a:t>
             </a:r>
             <a:r>
               <a:rPr lang="zh-CN" altLang="en-US" sz="2800" dirty="0"/>
-              <a:t>访问</a:t>
-            </a:r>
-            <a:r>
-              <a:rPr lang="en-US" altLang="zh-CN" sz="2800" dirty="0"/>
-              <a:t>】</a:t>
+              <a:t>的中修改</a:t>
+            </a:r>
+            <a:r>
+              <a:rPr lang="en-NZ" altLang="zh-CN" sz="2800" dirty="0" err="1"/>
+              <a:t>mainClass</a:t>
             </a:r>
             <a:r>
               <a:rPr lang="zh-CN" altLang="en-US" sz="2800" dirty="0"/>
-              <a:t>即可。解释原理。</a:t>
+              <a:t>的包名，否则运行会报错“</a:t>
+            </a:r>
+            <a:r>
+              <a:rPr lang="en-NZ" altLang="zh-CN" sz="2800" dirty="0"/>
+              <a:t>Could not find or load main class”</a:t>
+            </a:r>
+            <a:r>
+              <a:rPr lang="zh-CN" altLang="en-US" sz="2800" dirty="0"/>
+              <a:t>。</a:t>
             </a:r>
             <a:endParaRPr lang="en-US" altLang="zh-CN" sz="2800" dirty="0"/>
           </a:p>
@@ -9992,78 +9730,48 @@
             </a:pPr>
             <a:r>
               <a:rPr lang="en-US" altLang="zh-CN" sz="2800" dirty="0"/>
-              <a:t>4</a:t>
+              <a:t>3</a:t>
             </a:r>
             <a:r>
               <a:rPr lang="zh-CN" altLang="en-US" sz="2800" dirty="0"/>
-              <a:t>、编写一个</a:t>
-            </a:r>
-            <a:r>
-              <a:rPr lang="en-US" altLang="zh-CN" sz="2800" dirty="0"/>
-              <a:t>html</a:t>
+              <a:t>、一定要删除</a:t>
+            </a:r>
+            <a:r>
+              <a:rPr lang="en-NZ" altLang="zh-CN" sz="2800" dirty="0"/>
+              <a:t>pom.xml</a:t>
             </a:r>
             <a:r>
               <a:rPr lang="zh-CN" altLang="en-US" sz="2800" dirty="0"/>
-              <a:t>页面，访问接口。静态文件：在</a:t>
-            </a:r>
-            <a:r>
-              <a:rPr lang="en-US" altLang="zh-CN" sz="2800" dirty="0"/>
-              <a:t>【resources】</a:t>
+              <a:t>中的</a:t>
+            </a:r>
+            <a:r>
+              <a:rPr lang="en-NZ" altLang="zh-CN" sz="2800" dirty="0" err="1"/>
+              <a:t>mongodb</a:t>
             </a:r>
             <a:r>
               <a:rPr lang="zh-CN" altLang="en-US" sz="2800" dirty="0"/>
-              <a:t>下建立</a:t>
-            </a:r>
-            <a:r>
-              <a:rPr lang="en-US" altLang="zh-CN" sz="2800" dirty="0"/>
-              <a:t>static</a:t>
+              <a:t>的</a:t>
+            </a:r>
+            <a:r>
+              <a:rPr lang="en-NZ" altLang="zh-CN" sz="2800" dirty="0"/>
+              <a:t>dependency</a:t>
+            </a:r>
+            <a:r>
+              <a:rPr lang="zh-CN" altLang="en-NZ" sz="2800" dirty="0"/>
+              <a:t>，</a:t>
             </a:r>
             <a:r>
               <a:rPr lang="zh-CN" altLang="en-US" sz="2800" dirty="0"/>
-              <a:t>文件夹，然后在这个文件夹下放静态文件即可。</a:t>
-            </a:r>
-            <a:endParaRPr lang="en-US" altLang="zh-CN" sz="2800" dirty="0"/>
-          </a:p>
-          <a:p>
-            <a:pPr marL="0" indent="0">
-              <a:spcBef>
-                <a:spcPts val="200"/>
-              </a:spcBef>
-              <a:buNone/>
-            </a:pPr>
-            <a:r>
-              <a:rPr lang="en-US" altLang="zh-CN" sz="2800" dirty="0"/>
-              <a:t>5</a:t>
+              <a:t>否则会尝试链接</a:t>
+            </a:r>
+            <a:r>
+              <a:rPr lang="en-NZ" altLang="zh-CN" sz="2800" dirty="0" err="1"/>
+              <a:t>mongodb</a:t>
             </a:r>
             <a:r>
               <a:rPr lang="zh-CN" altLang="en-US" sz="2800" dirty="0"/>
-              <a:t>、这里使用</a:t>
-            </a:r>
-            <a:r>
-              <a:rPr lang="en-US" altLang="zh-CN" sz="2800" dirty="0" err="1"/>
-              <a:t>vue</a:t>
-            </a:r>
-            <a:r>
-              <a:rPr lang="zh-CN" altLang="en-US" sz="2800" dirty="0"/>
-              <a:t>、</a:t>
-            </a:r>
-            <a:r>
-              <a:rPr lang="en-US" altLang="zh-CN" sz="2800" dirty="0" err="1"/>
-              <a:t>axios</a:t>
-            </a:r>
-            <a:r>
-              <a:rPr lang="zh-CN" altLang="en-US" sz="2800" dirty="0"/>
-              <a:t>，没用过的知道大意即可。参考代码见备注</a:t>
-            </a:r>
-            <a:endParaRPr lang="en-US" altLang="zh-CN" sz="2800" dirty="0"/>
-          </a:p>
-          <a:p>
-            <a:pPr marL="0" indent="0">
-              <a:spcBef>
-                <a:spcPts val="200"/>
-              </a:spcBef>
-              <a:buNone/>
-            </a:pPr>
+              <a:t>。</a:t>
+            </a:r>
             <a:endParaRPr lang="en-US" altLang="zh-CN" sz="2800" dirty="0"/>
           </a:p>
         </p:txBody>
@@ -10071,7 +9779,7 @@
     </p:spTree>
     <p:extLst>
       <p:ext uri="{BB962C8B-B14F-4D97-AF65-F5344CB8AC3E}">
-        <p14:creationId xmlns:p14="http://schemas.microsoft.com/office/powerpoint/2010/main" val="1892829414"/>
+        <p14:creationId xmlns:p14="http://schemas.microsoft.com/office/powerpoint/2010/main" val="623155947"/>
       </p:ext>
     </p:extLst>
   </p:cSld>
@@ -10100,10 +9808,10 @@
       </p:grpSpPr>
       <p:sp>
         <p:nvSpPr>
-          <p:cNvPr id="2" name="标题 1">
+          <p:cNvPr id="3" name="内容占位符 2">
             <a:extLst>
               <a:ext uri="{FF2B5EF4-FFF2-40B4-BE49-F238E27FC236}">
-                <a16:creationId xmlns:a16="http://schemas.microsoft.com/office/drawing/2014/main" id="{6B7FD4AE-1F6A-487E-9CB9-96D18CE247E2}"/>
+                <a16:creationId xmlns:a16="http://schemas.microsoft.com/office/drawing/2014/main" id="{08D9BE8F-C60A-45DA-B7B1-9FF42523BA02}"/>
               </a:ext>
             </a:extLst>
           </p:cNvPr>
@@ -10111,371 +9819,320 @@
             <a:spLocks noGrp="1"/>
           </p:cNvSpPr>
           <p:nvPr>
-            <p:ph type="title"/>
+            <p:ph idx="1"/>
           </p:nvPr>
         </p:nvSpPr>
         <p:spPr>
           <a:xfrm>
-            <a:off x="141890" y="136635"/>
-            <a:ext cx="5581598" cy="572814"/>
+            <a:off x="0" y="0"/>
+            <a:ext cx="11935326" cy="6858000"/>
           </a:xfrm>
         </p:spPr>
         <p:txBody>
-          <a:bodyPr/>
-          <a:lstStyle/>
-          <a:p>
-            <a:pPr algn="l"/>
-            <a:r>
-              <a:rPr lang="zh-CN" altLang="en-US" dirty="0"/>
-              <a:t>开发“音频转字幕”应用</a:t>
-            </a:r>
-          </a:p>
-        </p:txBody>
-      </p:sp>
-      <p:sp>
-        <p:nvSpPr>
-          <p:cNvPr id="3" name="内容占位符 2">
-            <a:extLst>
-              <a:ext uri="{FF2B5EF4-FFF2-40B4-BE49-F238E27FC236}">
-                <a16:creationId xmlns:a16="http://schemas.microsoft.com/office/drawing/2014/main" id="{207B0391-BA34-4520-B497-4959140DCB22}"/>
-              </a:ext>
-            </a:extLst>
-          </p:cNvPr>
-          <p:cNvSpPr>
-            <a:spLocks noGrp="1"/>
-          </p:cNvSpPr>
-          <p:nvPr>
-            <p:ph idx="1"/>
-          </p:nvPr>
-        </p:nvSpPr>
-        <p:spPr>
-          <a:xfrm>
-            <a:off x="141890" y="850587"/>
-            <a:ext cx="11934496" cy="5870777"/>
-          </a:xfrm>
-        </p:spPr>
-        <p:txBody>
           <a:bodyPr>
-            <a:normAutofit fontScale="92500"/>
+            <a:noAutofit/>
           </a:bodyPr>
           <a:lstStyle/>
           <a:p>
-            <a:r>
-              <a:rPr lang="zh-CN" altLang="en-US" sz="2500" dirty="0"/>
-              <a:t>做语音识别不是个人或者中小型公司弄得了的，不仅是技术问题。因此一般都调用大厂的接口。</a:t>
-            </a:r>
-            <a:endParaRPr lang="en-US" altLang="zh-CN" sz="2500" dirty="0"/>
-          </a:p>
-          <a:p>
-            <a:r>
-              <a:rPr lang="zh-CN" altLang="en-US" sz="2500" dirty="0"/>
-              <a:t>产品→人工智能→智能语音交互→录音文件识别→</a:t>
-            </a:r>
-            <a:r>
-              <a:rPr lang="en-US" altLang="zh-CN" sz="2500" dirty="0"/>
+            <a:pPr marL="0" indent="0">
+              <a:spcBef>
+                <a:spcPts val="200"/>
+              </a:spcBef>
+              <a:buNone/>
+            </a:pPr>
+            <a:r>
+              <a:rPr lang="zh-CN" altLang="en-US" sz="5000" dirty="0"/>
+              <a:t>入门“阿里云</a:t>
+            </a:r>
+            <a:r>
+              <a:rPr lang="en-US" altLang="zh-CN" sz="5000" dirty="0"/>
+              <a:t>-</a:t>
+            </a:r>
+            <a:r>
+              <a:rPr lang="zh-CN" altLang="en-US" sz="5000" dirty="0"/>
+              <a:t>云开发平台”</a:t>
+            </a:r>
+            <a:r>
+              <a:rPr lang="en-US" altLang="zh-CN" sz="5000" dirty="0"/>
+              <a:t>2</a:t>
+            </a:r>
+          </a:p>
+          <a:p>
+            <a:pPr marL="0" indent="0">
+              <a:spcBef>
+                <a:spcPts val="200"/>
+              </a:spcBef>
+              <a:buNone/>
+            </a:pPr>
+            <a:r>
+              <a:rPr lang="en-US" altLang="zh-CN" sz="2800" dirty="0"/>
+              <a:t>1</a:t>
+            </a:r>
+            <a:r>
+              <a:rPr lang="zh-CN" altLang="en-US" sz="2800" dirty="0"/>
+              <a:t>、声明一个要返回的单词类：</a:t>
+            </a:r>
+            <a:r>
+              <a:rPr lang="en-NZ" altLang="zh-CN" sz="2800" dirty="0"/>
+              <a:t>Word</a:t>
+            </a:r>
+            <a:r>
+              <a:rPr lang="zh-CN" altLang="en-US" sz="2800" dirty="0"/>
+              <a:t>，包含</a:t>
+            </a:r>
+            <a:r>
+              <a:rPr lang="en-NZ" altLang="zh-CN" sz="2800" dirty="0"/>
+              <a:t>word</a:t>
+            </a:r>
+            <a:r>
+              <a:rPr lang="zh-CN" altLang="en-US" sz="2800" dirty="0"/>
+              <a:t>、</a:t>
+            </a:r>
+            <a:r>
+              <a:rPr lang="en-NZ" altLang="zh-CN" sz="2800" dirty="0" err="1"/>
+              <a:t>chinese</a:t>
+            </a:r>
+            <a:r>
+              <a:rPr lang="zh-CN" altLang="en-US" sz="2800" dirty="0"/>
+              <a:t>两个属性。</a:t>
+            </a:r>
+            <a:endParaRPr lang="en-US" altLang="zh-CN" sz="2800" dirty="0"/>
+          </a:p>
+          <a:p>
+            <a:pPr marL="0" indent="0">
+              <a:spcBef>
+                <a:spcPts val="200"/>
+              </a:spcBef>
+              <a:buNone/>
+            </a:pPr>
+            <a:r>
+              <a:rPr lang="en-US" altLang="zh-CN" sz="2800" dirty="0"/>
+              <a:t>2</a:t>
+            </a:r>
+            <a:r>
+              <a:rPr lang="zh-CN" altLang="en-US" sz="2800" dirty="0"/>
+              <a:t>、编写一个</a:t>
+            </a:r>
+            <a:r>
+              <a:rPr lang="en-US" altLang="zh-CN" sz="2800" dirty="0"/>
+              <a:t>Action</a:t>
+            </a:r>
+            <a:r>
+              <a:rPr lang="zh-CN" altLang="en-US" sz="2800" dirty="0"/>
+              <a:t>方法，返回一个随机的</a:t>
+            </a:r>
+            <a:r>
+              <a:rPr lang="en-US" altLang="zh-CN" sz="2800" dirty="0"/>
+              <a:t>Word</a:t>
+            </a:r>
+            <a:r>
+              <a:rPr lang="zh-CN" altLang="en-US" sz="2800" dirty="0"/>
+              <a:t>。设定</a:t>
+            </a:r>
+            <a:r>
+              <a:rPr lang="en-NZ" altLang="zh-CN" sz="2800" dirty="0" err="1"/>
+              <a:t>RequestMapping</a:t>
+            </a:r>
+            <a:r>
+              <a:rPr lang="zh-CN" altLang="en-US" sz="2800" dirty="0"/>
+              <a:t>的值为</a:t>
+            </a:r>
+            <a:r>
+              <a:rPr lang="en-NZ" altLang="zh-CN" sz="2800" dirty="0"/>
+              <a:t>"/</a:t>
+            </a:r>
+            <a:r>
+              <a:rPr lang="en-NZ" altLang="zh-CN" sz="2800" dirty="0" err="1"/>
+              <a:t>api</a:t>
+            </a:r>
+            <a:r>
+              <a:rPr lang="en-NZ" altLang="zh-CN" sz="2800" dirty="0"/>
+              <a:t>/</a:t>
+            </a:r>
+            <a:r>
+              <a:rPr lang="en-NZ" altLang="zh-CN" sz="2800" dirty="0" err="1"/>
+              <a:t>getAnyWord</a:t>
+            </a:r>
+            <a:r>
+              <a:rPr lang="en-NZ" altLang="zh-CN" sz="2800" dirty="0"/>
+              <a:t>"</a:t>
+            </a:r>
+            <a:r>
+              <a:rPr lang="zh-CN" altLang="en-US" sz="2800" dirty="0"/>
+              <a:t>。</a:t>
+            </a:r>
+            <a:endParaRPr lang="en-US" altLang="zh-CN" sz="2800" dirty="0"/>
+          </a:p>
+          <a:p>
+            <a:pPr marL="0" indent="0">
+              <a:spcBef>
+                <a:spcPts val="200"/>
+              </a:spcBef>
+              <a:buNone/>
+            </a:pPr>
+            <a:r>
+              <a:rPr lang="en-US" altLang="zh-CN" sz="2800" dirty="0"/>
+              <a:t>3</a:t>
+            </a:r>
+            <a:r>
+              <a:rPr lang="zh-CN" altLang="en-US" sz="2800" dirty="0"/>
+              <a:t>、先测试一下接口，</a:t>
+            </a:r>
+            <a:r>
+              <a:rPr lang="en-US" altLang="zh-CN" sz="2800" dirty="0"/>
               <a:t>【</a:t>
             </a:r>
             <a:r>
-              <a:rPr lang="zh-CN" altLang="en-US" sz="2500" dirty="0"/>
-              <a:t>立即开通</a:t>
-            </a:r>
-            <a:r>
-              <a:rPr lang="en-US" altLang="zh-CN" sz="2500" dirty="0"/>
+              <a:rPr lang="zh-CN" altLang="en-US" sz="2800" dirty="0"/>
+              <a:t>终端</a:t>
+            </a:r>
+            <a:r>
+              <a:rPr lang="en-US" altLang="zh-CN" sz="2800" dirty="0"/>
               <a:t>】</a:t>
             </a:r>
             <a:r>
-              <a:rPr lang="zh-CN" altLang="en-US" sz="2500" dirty="0"/>
-              <a:t>，</a:t>
-            </a:r>
-            <a:r>
-              <a:rPr lang="en-US" altLang="zh-CN" sz="2500" dirty="0"/>
+              <a:rPr lang="zh-CN" altLang="en-US" sz="2800" dirty="0"/>
+              <a:t>中输入</a:t>
+            </a:r>
+            <a:r>
+              <a:rPr lang="en-US" altLang="zh-CN" sz="2800" dirty="0" err="1"/>
+              <a:t>mvn</a:t>
+            </a:r>
+            <a:r>
+              <a:rPr lang="en-US" altLang="zh-CN" sz="2800" dirty="0"/>
+              <a:t> </a:t>
+            </a:r>
+            <a:r>
+              <a:rPr lang="en-US" altLang="zh-CN" sz="2800" dirty="0" err="1"/>
+              <a:t>spring-boot:run</a:t>
+            </a:r>
+            <a:r>
+              <a:rPr lang="zh-CN" altLang="en-US" sz="2800" dirty="0"/>
+              <a:t>运行（要注意是否运行成功了），然后在左下角中</a:t>
+            </a:r>
+            <a:r>
+              <a:rPr lang="en-US" altLang="zh-CN" sz="2800" dirty="0"/>
               <a:t>【</a:t>
             </a:r>
             <a:r>
-              <a:rPr lang="zh-CN" altLang="en-US" sz="2500" dirty="0"/>
-              <a:t>录音文件识别（极速版）</a:t>
-            </a:r>
-            <a:r>
-              <a:rPr lang="en-US" altLang="zh-CN" sz="2500" dirty="0"/>
+              <a:rPr lang="zh-CN" altLang="en-US" sz="2800" dirty="0"/>
+              <a:t>预览</a:t>
+            </a:r>
+            <a:r>
+              <a:rPr lang="en-US" altLang="zh-CN" sz="2800" dirty="0"/>
               <a:t>】</a:t>
             </a:r>
             <a:r>
-              <a:rPr lang="zh-CN" altLang="en-US" sz="2500" dirty="0"/>
-              <a:t>选择</a:t>
-            </a:r>
-            <a:r>
-              <a:rPr lang="en-US" altLang="zh-CN" sz="2500" dirty="0"/>
+              <a:rPr lang="zh-CN" altLang="en-US" sz="2800" dirty="0"/>
+              <a:t>，然后在上面的搜索框输入一个映射的端口号，右下角提示是否访问中，点击</a:t>
+            </a:r>
+            <a:r>
+              <a:rPr lang="en-US" altLang="zh-CN" sz="2800" dirty="0"/>
               <a:t>【</a:t>
             </a:r>
             <a:r>
-              <a:rPr lang="zh-CN" altLang="en-US" sz="2500" dirty="0"/>
-              <a:t>商用</a:t>
-            </a:r>
-            <a:r>
-              <a:rPr lang="en-US" altLang="zh-CN" sz="2500" dirty="0"/>
+              <a:rPr lang="zh-CN" altLang="en-US" sz="2800" dirty="0"/>
+              <a:t>访问</a:t>
+            </a:r>
+            <a:r>
+              <a:rPr lang="en-US" altLang="zh-CN" sz="2800" dirty="0"/>
               <a:t>】</a:t>
             </a:r>
             <a:r>
-              <a:rPr lang="zh-CN" altLang="en-US" sz="2500" dirty="0"/>
-              <a:t>。</a:t>
-            </a:r>
-            <a:endParaRPr lang="en-US" altLang="zh-CN" sz="2500" dirty="0"/>
-          </a:p>
-          <a:p>
-            <a:r>
-              <a:rPr lang="zh-CN" altLang="en-US" sz="2500" dirty="0"/>
-              <a:t>进入控制台，</a:t>
-            </a:r>
-            <a:r>
-              <a:rPr lang="en-US" altLang="zh-CN" sz="2500" dirty="0"/>
-              <a:t>【</a:t>
-            </a:r>
-            <a:r>
-              <a:rPr lang="zh-CN" altLang="en-US" sz="2500" dirty="0"/>
-              <a:t>创建项目</a:t>
-            </a:r>
-            <a:r>
-              <a:rPr lang="en-US" altLang="zh-CN" sz="2500" dirty="0"/>
-              <a:t>】</a:t>
-            </a:r>
-            <a:r>
-              <a:rPr lang="zh-CN" altLang="en-US" sz="2500" dirty="0"/>
-              <a:t>，项目类型选</a:t>
-            </a:r>
-            <a:r>
-              <a:rPr lang="en-US" altLang="zh-CN" sz="2500" dirty="0"/>
-              <a:t>【</a:t>
-            </a:r>
-            <a:r>
-              <a:rPr lang="zh-CN" altLang="en-US" sz="2500" dirty="0"/>
-              <a:t>仅语音识别</a:t>
-            </a:r>
-            <a:r>
-              <a:rPr lang="en-US" altLang="zh-CN" sz="2500" dirty="0"/>
-              <a:t>】</a:t>
-            </a:r>
-            <a:r>
-              <a:rPr lang="zh-CN" altLang="en-US" sz="2500" dirty="0"/>
-              <a:t>。在</a:t>
-            </a:r>
-            <a:r>
-              <a:rPr lang="en-US" altLang="zh-CN" sz="2500" dirty="0"/>
-              <a:t>【</a:t>
-            </a:r>
-            <a:r>
-              <a:rPr lang="zh-CN" altLang="en-US" sz="2500" dirty="0"/>
-              <a:t>语音识别</a:t>
-            </a:r>
-            <a:r>
-              <a:rPr lang="en-US" altLang="zh-CN" sz="2500" dirty="0"/>
-              <a:t>】</a:t>
-            </a:r>
-            <a:r>
-              <a:rPr lang="zh-CN" altLang="en-US" sz="2500" dirty="0"/>
-              <a:t>中点击</a:t>
-            </a:r>
-            <a:r>
-              <a:rPr lang="en-US" altLang="zh-CN" sz="2500" dirty="0"/>
-              <a:t>【</a:t>
-            </a:r>
-            <a:r>
-              <a:rPr lang="zh-CN" altLang="en-US" sz="2500" dirty="0"/>
-              <a:t>配置</a:t>
-            </a:r>
-            <a:r>
-              <a:rPr lang="en-US" altLang="zh-CN" sz="2500" dirty="0"/>
-              <a:t>】</a:t>
-            </a:r>
-            <a:r>
-              <a:rPr lang="zh-CN" altLang="en-US" sz="2500" dirty="0"/>
-              <a:t>→</a:t>
-            </a:r>
-            <a:r>
-              <a:rPr lang="en-US" altLang="zh-CN" sz="2500" dirty="0"/>
-              <a:t>【</a:t>
-            </a:r>
-            <a:r>
-              <a:rPr lang="zh-CN" altLang="en-US" sz="2500" dirty="0"/>
-              <a:t>没有音频测试集</a:t>
-            </a:r>
-            <a:r>
-              <a:rPr lang="en-US" altLang="zh-CN" sz="2500" dirty="0"/>
-              <a:t>】</a:t>
-            </a:r>
-            <a:r>
-              <a:rPr lang="zh-CN" altLang="en-US" sz="2500" dirty="0"/>
-              <a:t>，选择</a:t>
-            </a:r>
-            <a:r>
-              <a:rPr lang="en-US" altLang="zh-CN" sz="2500" dirty="0"/>
-              <a:t>【</a:t>
-            </a:r>
-            <a:r>
-              <a:rPr lang="zh-CN" altLang="en-US" sz="2500" dirty="0"/>
-              <a:t>非电话</a:t>
-            </a:r>
-            <a:r>
-              <a:rPr lang="en-US" altLang="zh-CN" sz="2500" dirty="0"/>
-              <a:t>】</a:t>
-            </a:r>
-            <a:r>
-              <a:rPr lang="zh-CN" altLang="en-US" sz="2500" dirty="0"/>
-              <a:t>→</a:t>
-            </a:r>
-            <a:r>
-              <a:rPr lang="en-US" altLang="zh-CN" sz="2500" dirty="0"/>
-              <a:t>【</a:t>
-            </a:r>
-            <a:r>
-              <a:rPr lang="zh-CN" altLang="en-US" sz="2500" dirty="0"/>
-              <a:t>英文</a:t>
-            </a:r>
-            <a:r>
-              <a:rPr lang="en-US" altLang="zh-CN" sz="2500" dirty="0"/>
-              <a:t>】</a:t>
-            </a:r>
-            <a:r>
-              <a:rPr lang="zh-CN" altLang="en-US" sz="2500" dirty="0"/>
-              <a:t>→</a:t>
-            </a:r>
-            <a:r>
-              <a:rPr lang="en-US" altLang="zh-CN" sz="2500" dirty="0"/>
-              <a:t>【</a:t>
-            </a:r>
-            <a:r>
-              <a:rPr lang="zh-CN" altLang="en-US" sz="2500" dirty="0"/>
-              <a:t>确认使用</a:t>
-            </a:r>
-            <a:r>
-              <a:rPr lang="en-US" altLang="zh-CN" sz="2500" dirty="0"/>
-              <a:t>】</a:t>
-            </a:r>
-            <a:r>
-              <a:rPr lang="zh-CN" altLang="en-US" sz="2500" dirty="0"/>
-              <a:t>。把</a:t>
-            </a:r>
-            <a:r>
-              <a:rPr lang="en-US" altLang="zh-CN" sz="2500" dirty="0"/>
-              <a:t>【</a:t>
-            </a:r>
-            <a:r>
-              <a:rPr lang="zh-CN" altLang="en-US" sz="2500" dirty="0"/>
-              <a:t>项目</a:t>
-            </a:r>
-            <a:r>
-              <a:rPr lang="en-NZ" altLang="zh-CN" sz="2500" dirty="0" err="1"/>
-              <a:t>Appkey</a:t>
-            </a:r>
-            <a:r>
-              <a:rPr lang="en-US" altLang="zh-CN" sz="2500" dirty="0"/>
-              <a:t>】</a:t>
-            </a:r>
-            <a:r>
-              <a:rPr lang="zh-CN" altLang="en-US" sz="2500" dirty="0"/>
-              <a:t>拷出来备用，这个是用来在代码中指定用哪个“项目”（识别模型）。</a:t>
-            </a:r>
-            <a:endParaRPr lang="en-US" altLang="zh-CN" sz="2500" dirty="0"/>
-          </a:p>
-          <a:p>
-            <a:r>
-              <a:rPr lang="zh-CN" altLang="en-US" sz="2500" dirty="0"/>
-              <a:t>在编程调用之前，需要首先配置</a:t>
-            </a:r>
-            <a:r>
-              <a:rPr lang="en-US" altLang="zh-CN" sz="2500" dirty="0"/>
-              <a:t>RAM</a:t>
-            </a:r>
-            <a:r>
-              <a:rPr lang="zh-CN" altLang="en-US" sz="2500" dirty="0"/>
-              <a:t>，这样只有指定的用户才能调用接口，避免接口被盗用浪费钱。右上角点击</a:t>
-            </a:r>
-            <a:r>
-              <a:rPr lang="en-US" altLang="zh-CN" sz="2500" dirty="0"/>
-              <a:t>【</a:t>
-            </a:r>
-            <a:r>
-              <a:rPr lang="zh-CN" altLang="en-US" sz="2500" dirty="0"/>
-              <a:t>访问控制</a:t>
-            </a:r>
-            <a:r>
-              <a:rPr lang="en-US" altLang="zh-CN" sz="2500" dirty="0"/>
-              <a:t>】</a:t>
-            </a:r>
-            <a:r>
-              <a:rPr lang="zh-CN" altLang="en-US" sz="2500" dirty="0"/>
-              <a:t>，新建一个用户，假如为“</a:t>
-            </a:r>
-            <a:r>
-              <a:rPr lang="en-NZ" altLang="zh-CN" sz="2500" dirty="0" err="1"/>
-              <a:t>voiceAI</a:t>
-            </a:r>
-            <a:r>
-              <a:rPr lang="zh-CN" altLang="en-US" sz="2500" dirty="0"/>
-              <a:t>”，然后设定“编程访问”。要保存下来</a:t>
-            </a:r>
-            <a:r>
-              <a:rPr lang="en-NZ" altLang="zh-CN" sz="2500" dirty="0" err="1"/>
-              <a:t>AccessKey</a:t>
-            </a:r>
-            <a:r>
-              <a:rPr lang="en-NZ" altLang="zh-CN" sz="2500" dirty="0"/>
-              <a:t> ID</a:t>
-            </a:r>
-            <a:r>
-              <a:rPr lang="zh-CN" altLang="en-US" sz="2500" dirty="0"/>
+              <a:rPr lang="zh-CN" altLang="en-US" sz="2800" dirty="0"/>
+              <a:t>即可。解释原理。</a:t>
+            </a:r>
+            <a:endParaRPr lang="en-US" altLang="zh-CN" sz="2800" dirty="0"/>
+          </a:p>
+          <a:p>
+            <a:pPr marL="0" indent="0">
+              <a:spcBef>
+                <a:spcPts val="200"/>
+              </a:spcBef>
+              <a:buNone/>
+            </a:pPr>
+            <a:r>
+              <a:rPr lang="en-US" altLang="zh-CN" sz="2800" dirty="0"/>
+              <a:t>4</a:t>
+            </a:r>
+            <a:r>
+              <a:rPr lang="zh-CN" altLang="en-US" sz="2800" dirty="0"/>
+              <a:t>、编写一个</a:t>
+            </a:r>
+            <a:r>
+              <a:rPr lang="en-US" altLang="zh-CN" sz="2800" dirty="0"/>
+              <a:t>html</a:t>
+            </a:r>
+            <a:r>
+              <a:rPr lang="zh-CN" altLang="en-US" sz="2800" dirty="0"/>
+              <a:t>页面，访问接口。静态文件：在</a:t>
+            </a:r>
+            <a:r>
+              <a:rPr lang="en-US" altLang="zh-CN" sz="2800" dirty="0"/>
+              <a:t>【resources】</a:t>
+            </a:r>
+            <a:r>
+              <a:rPr lang="zh-CN" altLang="en-US" sz="2800" dirty="0"/>
+              <a:t>下建立</a:t>
+            </a:r>
+            <a:r>
+              <a:rPr lang="en-US" altLang="zh-CN" sz="2800" dirty="0"/>
+              <a:t>static</a:t>
+            </a:r>
+            <a:r>
+              <a:rPr lang="zh-CN" altLang="en-US" sz="2800" dirty="0"/>
+              <a:t>文件夹，然后在这个文件夹下放静态文件即可。</a:t>
+            </a:r>
+            <a:endParaRPr lang="en-US" altLang="zh-CN" sz="2800" dirty="0"/>
+          </a:p>
+          <a:p>
+            <a:pPr marL="0" indent="0">
+              <a:spcBef>
+                <a:spcPts val="200"/>
+              </a:spcBef>
+              <a:buNone/>
+            </a:pPr>
+            <a:r>
+              <a:rPr lang="en-US" altLang="zh-CN" sz="2800" dirty="0"/>
+              <a:t>5</a:t>
+            </a:r>
+            <a:r>
+              <a:rPr lang="zh-CN" altLang="en-US" sz="2800" dirty="0"/>
+              <a:t>、这里使用</a:t>
+            </a:r>
+            <a:r>
+              <a:rPr lang="en-US" altLang="zh-CN" sz="2800" dirty="0" err="1"/>
+              <a:t>vue</a:t>
+            </a:r>
+            <a:r>
+              <a:rPr lang="zh-CN" altLang="en-US" sz="2800" dirty="0"/>
               <a:t>、</a:t>
             </a:r>
             <a:r>
-              <a:rPr lang="en-NZ" altLang="zh-CN" sz="2500" dirty="0" err="1"/>
-              <a:t>AccessKey</a:t>
-            </a:r>
-            <a:r>
-              <a:rPr lang="en-NZ" altLang="zh-CN" sz="2500" dirty="0"/>
-              <a:t> Secret</a:t>
-            </a:r>
-            <a:r>
-              <a:rPr lang="zh-CN" altLang="en-US" sz="2500" dirty="0"/>
-              <a:t>，不要泄露，我录完了课，这些我都删除，不要用我的。</a:t>
-            </a:r>
-            <a:endParaRPr lang="en-US" altLang="zh-CN" sz="2500" dirty="0"/>
-          </a:p>
-          <a:p>
-            <a:r>
-              <a:rPr lang="zh-CN" altLang="en-US" sz="2500" dirty="0"/>
-              <a:t>选中用户，点击</a:t>
-            </a:r>
-            <a:r>
-              <a:rPr lang="en-US" altLang="zh-CN" sz="2500" dirty="0"/>
-              <a:t>【</a:t>
-            </a:r>
-            <a:r>
-              <a:rPr lang="zh-CN" altLang="en-US" sz="2500" dirty="0"/>
-              <a:t>添加权限</a:t>
-            </a:r>
-            <a:r>
-              <a:rPr lang="en-US" altLang="zh-CN" sz="2500" dirty="0"/>
-              <a:t>】</a:t>
-            </a:r>
-            <a:r>
-              <a:rPr lang="zh-CN" altLang="en-US" sz="2500" dirty="0"/>
-              <a:t>，选中权限“</a:t>
-            </a:r>
-            <a:r>
-              <a:rPr lang="en-NZ" altLang="zh-CN" sz="2500" dirty="0" err="1"/>
-              <a:t>AliyunNLSSpeechServiceAccess</a:t>
-            </a:r>
-            <a:r>
-              <a:rPr lang="zh-CN" altLang="en-US" sz="2500" dirty="0"/>
-              <a:t>”</a:t>
-            </a:r>
-            <a:endParaRPr lang="zh-CN" altLang="en-US" dirty="0"/>
+              <a:rPr lang="en-US" altLang="zh-CN" sz="2800" dirty="0" err="1"/>
+              <a:t>axios</a:t>
+            </a:r>
+            <a:r>
+              <a:rPr lang="zh-CN" altLang="en-US" sz="2800" dirty="0"/>
+              <a:t>，没用过的知道大意即可。参考代码见备注</a:t>
+            </a:r>
+            <a:endParaRPr lang="en-US" altLang="zh-CN" sz="2800" dirty="0"/>
+          </a:p>
+          <a:p>
+            <a:pPr marL="0" indent="0">
+              <a:spcBef>
+                <a:spcPts val="200"/>
+              </a:spcBef>
+              <a:buNone/>
+            </a:pPr>
+            <a:endParaRPr lang="en-US" altLang="zh-CN" sz="2800" dirty="0"/>
           </a:p>
         </p:txBody>
       </p:sp>
     </p:spTree>
     <p:extLst>
       <p:ext uri="{BB962C8B-B14F-4D97-AF65-F5344CB8AC3E}">
-        <p14:creationId xmlns:p14="http://schemas.microsoft.com/office/powerpoint/2010/main" val="4075095799"/>
+        <p14:creationId xmlns:p14="http://schemas.microsoft.com/office/powerpoint/2010/main" val="1892829414"/>
       </p:ext>
     </p:extLst>
   </p:cSld>
@@ -10531,13 +10188,8 @@
             <a:pPr algn="l"/>
             <a:r>
               <a:rPr lang="zh-CN" altLang="en-US" dirty="0"/>
-              <a:t>代码</a:t>
-            </a:r>
-            <a:r>
-              <a:rPr lang="en-US" altLang="zh-CN" dirty="0"/>
-              <a:t>1</a:t>
-            </a:r>
-            <a:endParaRPr lang="zh-CN" altLang="en-US" dirty="0"/>
+              <a:t>开发“音频转字幕”应用</a:t>
+            </a:r>
           </a:p>
         </p:txBody>
       </p:sp>
@@ -10564,145 +10216,319 @@
           </a:xfrm>
         </p:spPr>
         <p:txBody>
-          <a:bodyPr/>
+          <a:bodyPr>
+            <a:normAutofit fontScale="92500"/>
+          </a:bodyPr>
           <a:lstStyle/>
           <a:p>
             <a:r>
-              <a:rPr lang="zh-CN" altLang="en-US" dirty="0"/>
-              <a:t>页面</a:t>
-            </a:r>
-            <a:endParaRPr lang="en-US" altLang="zh-CN" dirty="0"/>
-          </a:p>
-          <a:p>
-            <a:pPr marL="0" indent="0">
-              <a:buNone/>
-            </a:pPr>
-            <a:r>
-              <a:rPr lang="en-US" altLang="zh-CN" dirty="0"/>
-              <a:t>&lt;form method="POST" </a:t>
-            </a:r>
-            <a:r>
-              <a:rPr lang="en-US" altLang="zh-CN" dirty="0" err="1"/>
-              <a:t>enctype</a:t>
-            </a:r>
-            <a:r>
-              <a:rPr lang="en-US" altLang="zh-CN" dirty="0"/>
-              <a:t>="multipart/form-data" action="/</a:t>
-            </a:r>
-            <a:r>
-              <a:rPr lang="en-US" altLang="zh-CN" dirty="0" err="1"/>
-              <a:t>api</a:t>
-            </a:r>
-            <a:r>
-              <a:rPr lang="en-US" altLang="zh-CN" dirty="0"/>
-              <a:t>/Mp3ToSrt"&gt;</a:t>
-            </a:r>
-          </a:p>
-          <a:p>
-            <a:pPr marL="0" indent="0">
-              <a:buNone/>
-            </a:pPr>
-            <a:r>
-              <a:rPr lang="en-US" altLang="zh-CN" dirty="0"/>
-              <a:t>	&lt;input type="file" name="file" accept=".mp3,audio/*"/&gt;</a:t>
-            </a:r>
-          </a:p>
-          <a:p>
-            <a:pPr marL="0" indent="0">
-              <a:buNone/>
-            </a:pPr>
-            <a:r>
-              <a:rPr lang="en-US" altLang="zh-CN" dirty="0"/>
-              <a:t>	&lt;input type="submit"/&gt;</a:t>
-            </a:r>
-          </a:p>
-          <a:p>
-            <a:pPr marL="0" indent="0">
-              <a:buNone/>
-            </a:pPr>
-            <a:r>
-              <a:rPr lang="en-US" altLang="zh-CN" dirty="0"/>
-              <a:t>&lt;/form&gt;</a:t>
-            </a:r>
-          </a:p>
-          <a:p>
-            <a:r>
-              <a:rPr lang="zh-CN" altLang="en-US" dirty="0"/>
-              <a:t>处理用户上传：</a:t>
-            </a:r>
-            <a:endParaRPr lang="en-US" altLang="zh-CN" dirty="0"/>
-          </a:p>
-          <a:p>
-            <a:pPr marL="0" indent="0">
-              <a:buNone/>
-            </a:pPr>
-            <a:r>
-              <a:rPr lang="en-US" altLang="zh-CN" dirty="0"/>
-              <a:t>public String Mp3ToSrt(@RequestParam("file") </a:t>
-            </a:r>
-            <a:r>
-              <a:rPr lang="en-US" altLang="zh-CN" dirty="0" err="1"/>
-              <a:t>MultipartFile</a:t>
-            </a:r>
-            <a:r>
-              <a:rPr lang="en-US" altLang="zh-CN" dirty="0"/>
-              <a:t> file)</a:t>
-            </a:r>
-          </a:p>
-          <a:p>
-            <a:pPr marL="0" indent="0">
-              <a:buNone/>
-            </a:pPr>
-            <a:r>
-              <a:rPr lang="en-US" altLang="zh-CN" dirty="0"/>
-              <a:t>{</a:t>
-            </a:r>
-          </a:p>
-          <a:p>
-            <a:pPr marL="0" indent="0">
-              <a:buNone/>
-            </a:pPr>
-            <a:r>
-              <a:rPr lang="en-US" altLang="zh-CN" dirty="0"/>
-              <a:t>  byte[] content = </a:t>
-            </a:r>
-            <a:r>
-              <a:rPr lang="en-US" altLang="zh-CN" dirty="0" err="1"/>
-              <a:t>file.getBytes</a:t>
-            </a:r>
-            <a:r>
-              <a:rPr lang="en-US" altLang="zh-CN" dirty="0"/>
-              <a:t>();</a:t>
-            </a:r>
-          </a:p>
-          <a:p>
-            <a:pPr marL="0" indent="0">
-              <a:buNone/>
-            </a:pPr>
-            <a:r>
-              <a:rPr lang="en-US" altLang="zh-CN" dirty="0"/>
-              <a:t>}	</a:t>
-            </a:r>
-          </a:p>
-          <a:p>
-            <a:pPr marL="0" indent="0">
-              <a:buNone/>
-            </a:pPr>
-            <a:r>
-              <a:rPr lang="zh-CN" altLang="en-US" dirty="0"/>
-              <a:t>安全原则</a:t>
-            </a:r>
-            <a:r>
-              <a:rPr lang="en-US" altLang="zh-CN" dirty="0"/>
-              <a:t>(*)</a:t>
-            </a:r>
-            <a:r>
-              <a:rPr lang="zh-CN" altLang="en-US" dirty="0"/>
-              <a:t>：检查用户上传；文件不保存到服务器；</a:t>
-            </a:r>
-            <a:endParaRPr lang="en-US" altLang="zh-CN" dirty="0"/>
-          </a:p>
-          <a:p>
+              <a:rPr lang="zh-CN" altLang="en-US" sz="2500" dirty="0"/>
+              <a:t>做语音识别不是个人或者中小型公司弄得了的，不仅是技术问题。因此一般都调用大厂的接口。</a:t>
+            </a:r>
+            <a:endParaRPr lang="en-US" altLang="zh-CN" sz="2500" dirty="0"/>
+          </a:p>
+          <a:p>
+            <a:r>
+              <a:rPr lang="zh-CN" altLang="en-US" sz="2500" dirty="0"/>
+              <a:t>产品→人工智能→智能语音交互→录音文件识别→</a:t>
+            </a:r>
+            <a:r>
+              <a:rPr lang="en-US" altLang="zh-CN" sz="2500" dirty="0"/>
+              <a:t>【</a:t>
+            </a:r>
+            <a:r>
+              <a:rPr lang="zh-CN" altLang="en-US" sz="2500" dirty="0"/>
+              <a:t>立即开通</a:t>
+            </a:r>
+            <a:r>
+              <a:rPr lang="en-US" altLang="zh-CN" sz="2500" dirty="0"/>
+              <a:t>】</a:t>
+            </a:r>
+            <a:r>
+              <a:rPr lang="zh-CN" altLang="en-US" sz="2500" dirty="0"/>
+              <a:t>，</a:t>
+            </a:r>
+            <a:r>
+              <a:rPr lang="en-US" altLang="zh-CN" sz="2500" dirty="0"/>
+              <a:t>【</a:t>
+            </a:r>
+            <a:r>
+              <a:rPr lang="zh-CN" altLang="en-US" sz="2500" dirty="0"/>
+              <a:t>录音文件识别（极速版）</a:t>
+            </a:r>
+            <a:r>
+              <a:rPr lang="en-US" altLang="zh-CN" sz="2500" dirty="0"/>
+              <a:t>】</a:t>
+            </a:r>
+            <a:r>
+              <a:rPr lang="zh-CN" altLang="en-US" sz="2500" dirty="0"/>
+              <a:t>选择</a:t>
+            </a:r>
+            <a:r>
+              <a:rPr lang="en-US" altLang="zh-CN" sz="2500" dirty="0"/>
+              <a:t>【</a:t>
+            </a:r>
+            <a:r>
+              <a:rPr lang="zh-CN" altLang="en-US" sz="2500" dirty="0"/>
+              <a:t>商用</a:t>
+            </a:r>
+            <a:r>
+              <a:rPr lang="en-US" altLang="zh-CN" sz="2500" dirty="0"/>
+              <a:t>】</a:t>
+            </a:r>
+            <a:r>
+              <a:rPr lang="zh-CN" altLang="en-US" sz="2500" dirty="0"/>
+              <a:t>。</a:t>
+            </a:r>
+            <a:endParaRPr lang="en-US" altLang="zh-CN" sz="2500" dirty="0"/>
+          </a:p>
+          <a:p>
+            <a:r>
+              <a:rPr lang="zh-CN" altLang="en-US" sz="2500" dirty="0"/>
+              <a:t>进入控制台，</a:t>
+            </a:r>
+            <a:r>
+              <a:rPr lang="en-US" altLang="zh-CN" sz="2500" dirty="0"/>
+              <a:t>【</a:t>
+            </a:r>
+            <a:r>
+              <a:rPr lang="zh-CN" altLang="en-US" sz="2500" dirty="0"/>
+              <a:t>创建项目</a:t>
+            </a:r>
+            <a:r>
+              <a:rPr lang="en-US" altLang="zh-CN" sz="2500" dirty="0"/>
+              <a:t>】</a:t>
+            </a:r>
+            <a:r>
+              <a:rPr lang="zh-CN" altLang="en-US" sz="2500" dirty="0"/>
+              <a:t>，项目类型选</a:t>
+            </a:r>
+            <a:r>
+              <a:rPr lang="en-US" altLang="zh-CN" sz="2500" dirty="0"/>
+              <a:t>【</a:t>
+            </a:r>
+            <a:r>
+              <a:rPr lang="zh-CN" altLang="en-US" sz="2500" dirty="0"/>
+              <a:t>仅语音识别</a:t>
+            </a:r>
+            <a:r>
+              <a:rPr lang="en-US" altLang="zh-CN" sz="2500" dirty="0"/>
+              <a:t>】</a:t>
+            </a:r>
+            <a:r>
+              <a:rPr lang="zh-CN" altLang="en-US" sz="2500" dirty="0"/>
+              <a:t>。在</a:t>
+            </a:r>
+            <a:r>
+              <a:rPr lang="en-US" altLang="zh-CN" sz="2500" dirty="0"/>
+              <a:t>【</a:t>
+            </a:r>
+            <a:r>
+              <a:rPr lang="zh-CN" altLang="en-US" sz="2500" dirty="0"/>
+              <a:t>语音识别</a:t>
+            </a:r>
+            <a:r>
+              <a:rPr lang="en-US" altLang="zh-CN" sz="2500" dirty="0"/>
+              <a:t>】</a:t>
+            </a:r>
+            <a:r>
+              <a:rPr lang="zh-CN" altLang="en-US" sz="2500" dirty="0"/>
+              <a:t>中点击</a:t>
+            </a:r>
+            <a:r>
+              <a:rPr lang="en-US" altLang="zh-CN" sz="2500" dirty="0"/>
+              <a:t>【</a:t>
+            </a:r>
+            <a:r>
+              <a:rPr lang="zh-CN" altLang="en-US" sz="2500" dirty="0"/>
+              <a:t>配置</a:t>
+            </a:r>
+            <a:r>
+              <a:rPr lang="en-US" altLang="zh-CN" sz="2500" dirty="0"/>
+              <a:t>】</a:t>
+            </a:r>
+            <a:r>
+              <a:rPr lang="zh-CN" altLang="en-US" sz="2500" dirty="0"/>
+              <a:t>→</a:t>
+            </a:r>
+            <a:r>
+              <a:rPr lang="en-US" altLang="zh-CN" sz="2500" dirty="0"/>
+              <a:t>【</a:t>
+            </a:r>
+            <a:r>
+              <a:rPr lang="zh-CN" altLang="en-US" sz="2500" dirty="0"/>
+              <a:t>没有音频测试集</a:t>
+            </a:r>
+            <a:r>
+              <a:rPr lang="en-US" altLang="zh-CN" sz="2500" dirty="0"/>
+              <a:t>】</a:t>
+            </a:r>
+            <a:r>
+              <a:rPr lang="zh-CN" altLang="en-US" sz="2500" dirty="0"/>
+              <a:t>，选择</a:t>
+            </a:r>
+            <a:r>
+              <a:rPr lang="en-US" altLang="zh-CN" sz="2500" dirty="0"/>
+              <a:t>【</a:t>
+            </a:r>
+            <a:r>
+              <a:rPr lang="zh-CN" altLang="en-US" sz="2500" dirty="0"/>
+              <a:t>非电话</a:t>
+            </a:r>
+            <a:r>
+              <a:rPr lang="en-US" altLang="zh-CN" sz="2500" dirty="0"/>
+              <a:t>】</a:t>
+            </a:r>
+            <a:r>
+              <a:rPr lang="zh-CN" altLang="en-US" sz="2500" dirty="0"/>
+              <a:t>→</a:t>
+            </a:r>
+            <a:r>
+              <a:rPr lang="en-US" altLang="zh-CN" sz="2500" dirty="0"/>
+              <a:t>【</a:t>
+            </a:r>
+            <a:r>
+              <a:rPr lang="zh-CN" altLang="en-US" sz="2500" dirty="0"/>
+              <a:t>英文</a:t>
+            </a:r>
+            <a:r>
+              <a:rPr lang="en-US" altLang="zh-CN" sz="2500" dirty="0"/>
+              <a:t>】</a:t>
+            </a:r>
+            <a:r>
+              <a:rPr lang="zh-CN" altLang="en-US" sz="2500" dirty="0"/>
+              <a:t>→</a:t>
+            </a:r>
+            <a:r>
+              <a:rPr lang="en-US" altLang="zh-CN" sz="2500" dirty="0"/>
+              <a:t>【</a:t>
+            </a:r>
+            <a:r>
+              <a:rPr lang="zh-CN" altLang="en-US" sz="2500" dirty="0"/>
+              <a:t>确认使用</a:t>
+            </a:r>
+            <a:r>
+              <a:rPr lang="en-US" altLang="zh-CN" sz="2500" dirty="0"/>
+              <a:t>】</a:t>
+            </a:r>
+            <a:r>
+              <a:rPr lang="zh-CN" altLang="en-US" sz="2500" dirty="0"/>
+              <a:t>。把</a:t>
+            </a:r>
+            <a:r>
+              <a:rPr lang="en-US" altLang="zh-CN" sz="2500" dirty="0"/>
+              <a:t>【</a:t>
+            </a:r>
+            <a:r>
+              <a:rPr lang="zh-CN" altLang="en-US" sz="2500" dirty="0"/>
+              <a:t>项目</a:t>
+            </a:r>
+            <a:r>
+              <a:rPr lang="en-NZ" altLang="zh-CN" sz="2500" dirty="0" err="1"/>
+              <a:t>Appkey</a:t>
+            </a:r>
+            <a:r>
+              <a:rPr lang="en-US" altLang="zh-CN" sz="2500" dirty="0"/>
+              <a:t>】</a:t>
+            </a:r>
+            <a:r>
+              <a:rPr lang="zh-CN" altLang="en-US" sz="2500" dirty="0"/>
+              <a:t>拷出来备用，这个是用来在代码中指定用哪个“项目”（识别模型）。</a:t>
+            </a:r>
+            <a:endParaRPr lang="en-US" altLang="zh-CN" sz="2500" dirty="0"/>
+          </a:p>
+          <a:p>
+            <a:r>
+              <a:rPr lang="zh-CN" altLang="en-US" sz="2500" dirty="0"/>
+              <a:t>在编程调用之前，需要首先配置</a:t>
+            </a:r>
+            <a:r>
+              <a:rPr lang="en-US" altLang="zh-CN" sz="2500" dirty="0"/>
+              <a:t>RAM</a:t>
+            </a:r>
+            <a:r>
+              <a:rPr lang="zh-CN" altLang="en-US" sz="2500" dirty="0"/>
+              <a:t>，这样只有指定的用户才能调用接口，避免接口被盗用浪费钱。右上角点击</a:t>
+            </a:r>
+            <a:r>
+              <a:rPr lang="en-US" altLang="zh-CN" sz="2500" dirty="0"/>
+              <a:t>【</a:t>
+            </a:r>
+            <a:r>
+              <a:rPr lang="zh-CN" altLang="en-US" sz="2500" dirty="0"/>
+              <a:t>访问控制</a:t>
+            </a:r>
+            <a:r>
+              <a:rPr lang="en-US" altLang="zh-CN" sz="2500" dirty="0"/>
+              <a:t>】</a:t>
+            </a:r>
+            <a:r>
+              <a:rPr lang="zh-CN" altLang="en-US" sz="2500" dirty="0"/>
+              <a:t>，新建一个用户，假如为“</a:t>
+            </a:r>
+            <a:r>
+              <a:rPr lang="en-NZ" altLang="zh-CN" sz="2500" dirty="0" err="1"/>
+              <a:t>voiceAI</a:t>
+            </a:r>
+            <a:r>
+              <a:rPr lang="zh-CN" altLang="en-US" sz="2500" dirty="0"/>
+              <a:t>”，然后设定“编程访问”。要保存下来</a:t>
+            </a:r>
+            <a:r>
+              <a:rPr lang="en-NZ" altLang="zh-CN" sz="2500" dirty="0" err="1"/>
+              <a:t>AccessKey</a:t>
+            </a:r>
+            <a:r>
+              <a:rPr lang="en-NZ" altLang="zh-CN" sz="2500" dirty="0"/>
+              <a:t> ID</a:t>
+            </a:r>
+            <a:r>
+              <a:rPr lang="zh-CN" altLang="en-US" sz="2500" dirty="0"/>
+              <a:t>、</a:t>
+            </a:r>
+            <a:r>
+              <a:rPr lang="en-NZ" altLang="zh-CN" sz="2500" dirty="0" err="1"/>
+              <a:t>AccessKey</a:t>
+            </a:r>
+            <a:r>
+              <a:rPr lang="en-NZ" altLang="zh-CN" sz="2500" dirty="0"/>
+              <a:t> Secret</a:t>
+            </a:r>
+            <a:r>
+              <a:rPr lang="zh-CN" altLang="en-US" sz="2500" dirty="0"/>
+              <a:t>，不要泄露，我录完了课，这些我都删除，不要用我的。</a:t>
+            </a:r>
+            <a:endParaRPr lang="en-US" altLang="zh-CN" sz="2500" dirty="0"/>
+          </a:p>
+          <a:p>
+            <a:r>
+              <a:rPr lang="zh-CN" altLang="en-US" sz="2500" dirty="0"/>
+              <a:t>选中用户，点击</a:t>
+            </a:r>
+            <a:r>
+              <a:rPr lang="en-US" altLang="zh-CN" sz="2500" dirty="0"/>
+              <a:t>【</a:t>
+            </a:r>
+            <a:r>
+              <a:rPr lang="zh-CN" altLang="en-US" sz="2500" dirty="0"/>
+              <a:t>添加权限</a:t>
+            </a:r>
+            <a:r>
+              <a:rPr lang="en-US" altLang="zh-CN" sz="2500" dirty="0"/>
+              <a:t>】</a:t>
+            </a:r>
+            <a:r>
+              <a:rPr lang="zh-CN" altLang="en-US" sz="2500" dirty="0"/>
+              <a:t>，选中权限“</a:t>
+            </a:r>
+            <a:r>
+              <a:rPr lang="en-NZ" altLang="zh-CN" sz="2500" dirty="0" err="1"/>
+              <a:t>AliyunNLSSpeechServiceAccess</a:t>
+            </a:r>
+            <a:r>
+              <a:rPr lang="zh-CN" altLang="en-US" sz="2500" dirty="0"/>
+              <a:t>”</a:t>
+            </a:r>
             <a:endParaRPr lang="zh-CN" altLang="en-US" dirty="0"/>
           </a:p>
         </p:txBody>
@@ -10710,7 +10536,7 @@
     </p:spTree>
     <p:extLst>
       <p:ext uri="{BB962C8B-B14F-4D97-AF65-F5344CB8AC3E}">
-        <p14:creationId xmlns:p14="http://schemas.microsoft.com/office/powerpoint/2010/main" val="3321154546"/>
+        <p14:creationId xmlns:p14="http://schemas.microsoft.com/office/powerpoint/2010/main" val="4075095799"/>
       </p:ext>
     </p:extLst>
   </p:cSld>
@@ -10770,7 +10596,7 @@
             </a:r>
             <a:r>
               <a:rPr lang="en-US" altLang="zh-CN" dirty="0"/>
-              <a:t>2</a:t>
+              <a:t>1</a:t>
             </a:r>
             <a:endParaRPr lang="zh-CN" altLang="en-US" dirty="0"/>
           </a:p>
@@ -10799,211 +10625,153 @@
           </a:xfrm>
         </p:spPr>
         <p:txBody>
-          <a:bodyPr>
-            <a:normAutofit/>
-          </a:bodyPr>
+          <a:bodyPr/>
           <a:lstStyle/>
           <a:p>
             <a:r>
-              <a:rPr lang="zh-CN" altLang="en-US" sz="3000" dirty="0"/>
-              <a:t>点击右上角</a:t>
-            </a:r>
-            <a:r>
-              <a:rPr lang="en-US" altLang="zh-CN" sz="3000" dirty="0"/>
-              <a:t>【</a:t>
-            </a:r>
-            <a:r>
-              <a:rPr lang="zh-CN" altLang="en-US" sz="3000" dirty="0"/>
-              <a:t>帮助文档</a:t>
-            </a:r>
-            <a:r>
-              <a:rPr lang="en-US" altLang="zh-CN" sz="3000" dirty="0"/>
-              <a:t>】</a:t>
-            </a:r>
-            <a:r>
-              <a:rPr lang="zh-CN" altLang="en-US" sz="3000" dirty="0"/>
-              <a:t>，查看文档，了解用法。大体流程：首先用</a:t>
-            </a:r>
-            <a:r>
-              <a:rPr lang="en-NZ" altLang="zh-CN" sz="3000" dirty="0" err="1"/>
-              <a:t>accessKey_ID</a:t>
-            </a:r>
-            <a:r>
-              <a:rPr lang="zh-CN" altLang="en-US" sz="3000" dirty="0"/>
-              <a:t>和</a:t>
-            </a:r>
-            <a:r>
-              <a:rPr lang="en-NZ" altLang="zh-CN" sz="3000" dirty="0" err="1"/>
-              <a:t>accessKey_Secret</a:t>
-            </a:r>
-            <a:r>
-              <a:rPr lang="zh-CN" altLang="en-US" sz="3000" dirty="0"/>
-              <a:t>换取一个存在有效期的</a:t>
-            </a:r>
-            <a:r>
-              <a:rPr lang="en-US" altLang="zh-CN" sz="3000" dirty="0" err="1"/>
-              <a:t>accesstoken</a:t>
-            </a:r>
-            <a:r>
-              <a:rPr lang="zh-CN" altLang="en-US" sz="3000" dirty="0"/>
-              <a:t>，然后再调用语音识别接口去识别。</a:t>
-            </a:r>
-            <a:endParaRPr lang="en-US" altLang="zh-CN" sz="3000" dirty="0"/>
-          </a:p>
-          <a:p>
-            <a:r>
-              <a:rPr lang="en-US" altLang="zh-CN" sz="3000" dirty="0"/>
-              <a:t>【</a:t>
-            </a:r>
-            <a:r>
-              <a:rPr lang="zh-CN" altLang="en-US" sz="3000" dirty="0"/>
-              <a:t>开发前必读</a:t>
-            </a:r>
-            <a:r>
-              <a:rPr lang="en-US" altLang="zh-CN" sz="3000" dirty="0"/>
-              <a:t>】</a:t>
-            </a:r>
-            <a:r>
-              <a:rPr lang="zh-CN" altLang="en-US" sz="3000" dirty="0"/>
-              <a:t>→</a:t>
-            </a:r>
-            <a:r>
-              <a:rPr lang="en-US" altLang="zh-CN" sz="3000" dirty="0"/>
-              <a:t>【</a:t>
-            </a:r>
-            <a:r>
-              <a:rPr lang="zh-CN" altLang="en-US" sz="3000" dirty="0"/>
-              <a:t>获取</a:t>
-            </a:r>
-            <a:r>
-              <a:rPr lang="en-US" altLang="zh-CN" sz="3000" dirty="0"/>
-              <a:t>Token】</a:t>
-            </a:r>
-            <a:r>
-              <a:rPr lang="zh-CN" altLang="en-US" sz="3000" dirty="0"/>
-              <a:t>，直接拷贝文档中的代码，获取</a:t>
-            </a:r>
-            <a:r>
-              <a:rPr lang="en-US" altLang="zh-CN" sz="3000" dirty="0"/>
-              <a:t>token</a:t>
-            </a:r>
-            <a:r>
-              <a:rPr lang="zh-CN" altLang="en-US" sz="3000" dirty="0"/>
-              <a:t>。配置暂时先写死在代码中。</a:t>
-            </a:r>
-            <a:endParaRPr lang="en-US" altLang="zh-CN" sz="3000" dirty="0"/>
-          </a:p>
-          <a:p>
-            <a:r>
-              <a:rPr lang="en-US" altLang="zh-CN" sz="3000" dirty="0"/>
-              <a:t>【</a:t>
-            </a:r>
-            <a:r>
-              <a:rPr lang="zh-CN" altLang="en-US" sz="3000" dirty="0"/>
-              <a:t> 录音文件识别极速版</a:t>
-            </a:r>
-            <a:r>
-              <a:rPr lang="en-US" altLang="zh-CN" sz="3000" dirty="0"/>
-              <a:t>】</a:t>
-            </a:r>
-            <a:r>
-              <a:rPr lang="zh-CN" altLang="en-US" sz="3000" dirty="0"/>
-              <a:t>→</a:t>
-            </a:r>
-            <a:r>
-              <a:rPr lang="en-US" altLang="zh-CN" sz="3000" dirty="0"/>
-              <a:t>【</a:t>
-            </a:r>
-            <a:r>
-              <a:rPr lang="zh-CN" altLang="en-US" sz="3000" dirty="0"/>
-              <a:t>接口说明</a:t>
-            </a:r>
-            <a:r>
-              <a:rPr lang="en-US" altLang="zh-CN" sz="3000" dirty="0"/>
-              <a:t>】</a:t>
-            </a:r>
-            <a:r>
-              <a:rPr lang="zh-CN" altLang="en-US" sz="3000" dirty="0"/>
-              <a:t>→</a:t>
-            </a:r>
-            <a:r>
-              <a:rPr lang="en-US" altLang="zh-CN" sz="3000" dirty="0"/>
-              <a:t>【Java</a:t>
-            </a:r>
-            <a:r>
-              <a:rPr lang="zh-CN" altLang="en-US" sz="3000" dirty="0"/>
-              <a:t>示例</a:t>
-            </a:r>
-            <a:r>
-              <a:rPr lang="en-US" altLang="zh-CN" sz="3000" dirty="0"/>
-              <a:t>】</a:t>
-            </a:r>
-            <a:r>
-              <a:rPr lang="zh-CN" altLang="en-US" sz="3000" dirty="0"/>
-              <a:t>。文档里的</a:t>
-            </a:r>
-            <a:r>
-              <a:rPr lang="en-NZ" altLang="zh-CN" sz="3000" dirty="0" err="1"/>
-              <a:t>fastjson</a:t>
-            </a:r>
-            <a:r>
-              <a:rPr lang="zh-CN" altLang="en-US" sz="3000" dirty="0"/>
-              <a:t>的</a:t>
-            </a:r>
-            <a:r>
-              <a:rPr lang="en-NZ" altLang="zh-CN" sz="3000" dirty="0"/>
-              <a:t>version</a:t>
-            </a:r>
-            <a:r>
-              <a:rPr lang="zh-CN" altLang="en-US" sz="3000" dirty="0"/>
-              <a:t>写错了。</a:t>
-            </a:r>
-            <a:endParaRPr lang="en-US" altLang="zh-CN" sz="3000" dirty="0"/>
-          </a:p>
-          <a:p>
-            <a:r>
-              <a:rPr lang="zh-CN" altLang="en-US" sz="3000" dirty="0"/>
-              <a:t>用</a:t>
-            </a:r>
-            <a:r>
-              <a:rPr lang="en-US" altLang="zh-CN" sz="3000" dirty="0"/>
-              <a:t>【</a:t>
-            </a:r>
-            <a:r>
-              <a:rPr lang="zh-CN" altLang="en-US" sz="3000" dirty="0"/>
-              <a:t>托福老</a:t>
-            </a:r>
-            <a:r>
-              <a:rPr lang="en-US" altLang="zh-CN" sz="3000" dirty="0"/>
-              <a:t>93</a:t>
-            </a:r>
-            <a:r>
-              <a:rPr lang="zh-CN" altLang="en-US" sz="3000" dirty="0"/>
-              <a:t>篇</a:t>
-            </a:r>
-            <a:r>
-              <a:rPr lang="en-US" altLang="zh-CN" sz="3000" dirty="0"/>
-              <a:t>】</a:t>
-            </a:r>
-            <a:r>
-              <a:rPr lang="zh-CN" altLang="en-US" sz="3000" dirty="0"/>
-              <a:t>里面的做实验，文件小。输出响应的内容。</a:t>
-            </a:r>
-            <a:endParaRPr lang="en-US" altLang="zh-CN" sz="3000" dirty="0"/>
-          </a:p>
-          <a:p>
-            <a:r>
-              <a:rPr lang="zh-CN" altLang="en-US" sz="3000" dirty="0"/>
-              <a:t>遗憾：识别出来的一个录音文件是整个一句话。</a:t>
-            </a:r>
-            <a:endParaRPr lang="en-US" altLang="zh-CN" sz="3000" dirty="0"/>
+              <a:rPr lang="zh-CN" altLang="en-US" dirty="0"/>
+              <a:t>页面</a:t>
+            </a:r>
+            <a:endParaRPr lang="en-US" altLang="zh-CN" dirty="0"/>
+          </a:p>
+          <a:p>
+            <a:pPr marL="0" indent="0">
+              <a:buNone/>
+            </a:pPr>
+            <a:r>
+              <a:rPr lang="en-US" altLang="zh-CN" dirty="0"/>
+              <a:t>&lt;form method="POST" </a:t>
+            </a:r>
+            <a:r>
+              <a:rPr lang="en-US" altLang="zh-CN" dirty="0" err="1"/>
+              <a:t>enctype</a:t>
+            </a:r>
+            <a:r>
+              <a:rPr lang="en-US" altLang="zh-CN" dirty="0"/>
+              <a:t>="multipart/form-data" action="/</a:t>
+            </a:r>
+            <a:r>
+              <a:rPr lang="en-US" altLang="zh-CN" dirty="0" err="1"/>
+              <a:t>api</a:t>
+            </a:r>
+            <a:r>
+              <a:rPr lang="en-US" altLang="zh-CN" dirty="0"/>
+              <a:t>/Mp3ToSrt"&gt;</a:t>
+            </a:r>
+          </a:p>
+          <a:p>
+            <a:pPr marL="0" indent="0">
+              <a:buNone/>
+            </a:pPr>
+            <a:r>
+              <a:rPr lang="en-US" altLang="zh-CN" dirty="0"/>
+              <a:t>	&lt;input type="file" name="file" accept=".mp3,audio/*"/&gt;</a:t>
+            </a:r>
+          </a:p>
+          <a:p>
+            <a:pPr marL="0" indent="0">
+              <a:buNone/>
+            </a:pPr>
+            <a:r>
+              <a:rPr lang="en-US" altLang="zh-CN" dirty="0"/>
+              <a:t>	&lt;input type="submit"/&gt;</a:t>
+            </a:r>
+          </a:p>
+          <a:p>
+            <a:pPr marL="0" indent="0">
+              <a:buNone/>
+            </a:pPr>
+            <a:r>
+              <a:rPr lang="en-US" altLang="zh-CN" dirty="0"/>
+              <a:t>&lt;/form&gt;</a:t>
+            </a:r>
+          </a:p>
+          <a:p>
+            <a:r>
+              <a:rPr lang="zh-CN" altLang="en-US" dirty="0"/>
+              <a:t>处理用户上传：</a:t>
+            </a:r>
+            <a:endParaRPr lang="en-US" altLang="zh-CN" dirty="0"/>
+          </a:p>
+          <a:p>
+            <a:pPr marL="0" indent="0">
+              <a:buNone/>
+            </a:pPr>
+            <a:r>
+              <a:rPr lang="en-US" altLang="zh-CN" dirty="0"/>
+              <a:t>public String Mp3ToSrt(@RequestParam("file") </a:t>
+            </a:r>
+            <a:r>
+              <a:rPr lang="en-US" altLang="zh-CN" dirty="0" err="1"/>
+              <a:t>MultipartFile</a:t>
+            </a:r>
+            <a:r>
+              <a:rPr lang="en-US" altLang="zh-CN" dirty="0"/>
+              <a:t> file)</a:t>
+            </a:r>
+          </a:p>
+          <a:p>
+            <a:pPr marL="0" indent="0">
+              <a:buNone/>
+            </a:pPr>
+            <a:r>
+              <a:rPr lang="en-US" altLang="zh-CN" dirty="0"/>
+              <a:t>{</a:t>
+            </a:r>
+          </a:p>
+          <a:p>
+            <a:pPr marL="0" indent="0">
+              <a:buNone/>
+            </a:pPr>
+            <a:r>
+              <a:rPr lang="en-US" altLang="zh-CN" dirty="0"/>
+              <a:t>  byte[] content = </a:t>
+            </a:r>
+            <a:r>
+              <a:rPr lang="en-US" altLang="zh-CN" dirty="0" err="1"/>
+              <a:t>file.getBytes</a:t>
+            </a:r>
+            <a:r>
+              <a:rPr lang="en-US" altLang="zh-CN" dirty="0"/>
+              <a:t>();</a:t>
+            </a:r>
+          </a:p>
+          <a:p>
+            <a:pPr marL="0" indent="0">
+              <a:buNone/>
+            </a:pPr>
+            <a:r>
+              <a:rPr lang="en-US" altLang="zh-CN" dirty="0"/>
+              <a:t>}	</a:t>
+            </a:r>
+          </a:p>
+          <a:p>
+            <a:pPr marL="0" indent="0">
+              <a:buNone/>
+            </a:pPr>
+            <a:r>
+              <a:rPr lang="zh-CN" altLang="en-US" dirty="0"/>
+              <a:t>安全原则</a:t>
+            </a:r>
+            <a:r>
+              <a:rPr lang="en-US" altLang="zh-CN" dirty="0"/>
+              <a:t>(*)</a:t>
+            </a:r>
+            <a:r>
+              <a:rPr lang="zh-CN" altLang="en-US" dirty="0"/>
+              <a:t>：检查用户上传；文件不保存到服务器；</a:t>
+            </a:r>
+            <a:endParaRPr lang="en-US" altLang="zh-CN" dirty="0"/>
+          </a:p>
+          <a:p>
+            <a:endParaRPr lang="zh-CN" altLang="en-US" dirty="0"/>
           </a:p>
         </p:txBody>
       </p:sp>
     </p:spTree>
     <p:extLst>
       <p:ext uri="{BB962C8B-B14F-4D97-AF65-F5344CB8AC3E}">
-        <p14:creationId xmlns:p14="http://schemas.microsoft.com/office/powerpoint/2010/main" val="1056339869"/>
+        <p14:creationId xmlns:p14="http://schemas.microsoft.com/office/powerpoint/2010/main" val="3321154546"/>
       </p:ext>
     </p:extLst>
   </p:cSld>
@@ -11059,8 +10827,13 @@
             <a:pPr algn="l"/>
             <a:r>
               <a:rPr lang="zh-CN" altLang="en-US" dirty="0"/>
-              <a:t>优化</a:t>
-            </a:r>
+              <a:t>代码</a:t>
+            </a:r>
+            <a:r>
+              <a:rPr lang="en-US" altLang="zh-CN" dirty="0"/>
+              <a:t>2</a:t>
+            </a:r>
+            <a:endParaRPr lang="zh-CN" altLang="en-US" dirty="0"/>
           </a:p>
         </p:txBody>
       </p:sp>
@@ -11082,331 +10855,216 @@
         </p:nvSpPr>
         <p:spPr>
           <a:xfrm>
-            <a:off x="0" y="850587"/>
-            <a:ext cx="12192000" cy="5870777"/>
+            <a:off x="141890" y="850587"/>
+            <a:ext cx="11934496" cy="5870777"/>
           </a:xfrm>
         </p:spPr>
         <p:txBody>
           <a:bodyPr>
-            <a:noAutofit/>
+            <a:normAutofit/>
           </a:bodyPr>
           <a:lstStyle/>
           <a:p>
-            <a:pPr>
-              <a:lnSpc>
-                <a:spcPct val="100000"/>
-              </a:lnSpc>
-              <a:spcBef>
-                <a:spcPts val="0"/>
-              </a:spcBef>
-            </a:pPr>
-            <a:r>
-              <a:rPr lang="zh-CN" altLang="en-US" sz="2700" dirty="0"/>
-              <a:t>使用</a:t>
-            </a:r>
-            <a:r>
-              <a:rPr lang="en-US" altLang="zh-CN" sz="2700" dirty="0" err="1"/>
-              <a:t>Gson</a:t>
-            </a:r>
-            <a:r>
-              <a:rPr lang="zh-CN" altLang="en-US" sz="2700" dirty="0"/>
-              <a:t>解析出来英语：</a:t>
-            </a:r>
-            <a:r>
-              <a:rPr lang="en-NZ" altLang="zh-CN" sz="2700" dirty="0" err="1"/>
-              <a:t>JsonObject</a:t>
-            </a:r>
-            <a:r>
-              <a:rPr lang="en-NZ" altLang="zh-CN" sz="2700" dirty="0"/>
-              <a:t> </a:t>
-            </a:r>
-            <a:r>
-              <a:rPr lang="en-NZ" altLang="zh-CN" sz="2700" dirty="0" err="1"/>
-              <a:t>jsonObj</a:t>
-            </a:r>
-            <a:r>
-              <a:rPr lang="en-NZ" altLang="zh-CN" sz="2700" dirty="0"/>
-              <a:t> = </a:t>
-            </a:r>
-            <a:r>
-              <a:rPr lang="en-NZ" altLang="zh-CN" sz="2700" dirty="0" err="1"/>
-              <a:t>JsonParser.parseString</a:t>
-            </a:r>
-            <a:r>
-              <a:rPr lang="en-NZ" altLang="zh-CN" sz="2700" dirty="0"/>
-              <a:t>(</a:t>
-            </a:r>
-            <a:r>
-              <a:rPr lang="en-NZ" altLang="zh-CN" sz="2700" dirty="0" err="1"/>
-              <a:t>recResponse</a:t>
-            </a:r>
-            <a:r>
-              <a:rPr lang="en-NZ" altLang="zh-CN" sz="2700" dirty="0"/>
-              <a:t>).</a:t>
-            </a:r>
-            <a:r>
-              <a:rPr lang="en-NZ" altLang="zh-CN" sz="2700" dirty="0" err="1"/>
-              <a:t>getAsJsonObject</a:t>
-            </a:r>
-            <a:r>
-              <a:rPr lang="en-NZ" altLang="zh-CN" sz="2700" dirty="0"/>
-              <a:t>();</a:t>
-            </a:r>
-          </a:p>
-          <a:p>
-            <a:pPr>
-              <a:lnSpc>
-                <a:spcPct val="100000"/>
-              </a:lnSpc>
-              <a:spcBef>
-                <a:spcPts val="0"/>
-              </a:spcBef>
-            </a:pPr>
-            <a:r>
-              <a:rPr lang="zh-CN" altLang="en-US" sz="2700" dirty="0"/>
-              <a:t>如果必须用阿里云识别字幕，只能把一句话用“</a:t>
-            </a:r>
-            <a:r>
-              <a:rPr lang="en-US" altLang="zh-CN" sz="2700" dirty="0"/>
-              <a:t>?!.</a:t>
-            </a:r>
-            <a:r>
-              <a:rPr lang="zh-CN" altLang="en-US" sz="2700" dirty="0"/>
-              <a:t>”等进行分割，然后根据总时长进行估计切割。</a:t>
-            </a:r>
-            <a:endParaRPr lang="en-US" altLang="zh-CN" sz="2700" dirty="0"/>
-          </a:p>
-          <a:p>
-            <a:pPr>
-              <a:lnSpc>
-                <a:spcPct val="100000"/>
-              </a:lnSpc>
-              <a:spcBef>
-                <a:spcPts val="0"/>
-              </a:spcBef>
-            </a:pPr>
-            <a:r>
-              <a:rPr lang="zh-CN" altLang="en-US" sz="2700" dirty="0"/>
-              <a:t>把纳秒（</a:t>
-            </a:r>
-            <a:r>
-              <a:rPr lang="en-US" altLang="zh-CN" sz="2700" dirty="0"/>
-              <a:t>1000_000</a:t>
-            </a:r>
-            <a:r>
-              <a:rPr lang="zh-CN" altLang="en-US" sz="2700" dirty="0"/>
-              <a:t>纳秒</a:t>
-            </a:r>
-            <a:r>
-              <a:rPr lang="en-US" altLang="zh-CN" sz="2700" dirty="0"/>
-              <a:t>=1</a:t>
-            </a:r>
-            <a:r>
-              <a:rPr lang="zh-CN" altLang="en-US" sz="2700" dirty="0"/>
-              <a:t>毫秒）转换为时间格式用：</a:t>
-            </a:r>
-            <a:r>
-              <a:rPr lang="en-NZ" altLang="zh-CN" sz="2700" dirty="0"/>
-              <a:t> </a:t>
-            </a:r>
-            <a:r>
-              <a:rPr lang="en-NZ" altLang="zh-CN" sz="2700" dirty="0" err="1"/>
-              <a:t>LocalTime.ofNanoOfDay</a:t>
-            </a:r>
-            <a:r>
-              <a:rPr lang="en-NZ" altLang="zh-CN" sz="2700" dirty="0"/>
-              <a:t>(</a:t>
-            </a:r>
-            <a:r>
-              <a:rPr lang="en-US" altLang="zh-CN" sz="2700" dirty="0"/>
-              <a:t>ns</a:t>
-            </a:r>
-            <a:r>
-              <a:rPr lang="en-NZ" altLang="zh-CN" sz="2700" dirty="0"/>
-              <a:t>);</a:t>
-            </a:r>
-            <a:r>
-              <a:rPr lang="zh-CN" altLang="en-US" sz="2700" dirty="0"/>
-              <a:t>然后</a:t>
-            </a:r>
-            <a:r>
-              <a:rPr lang="en-US" altLang="zh-CN" sz="2700" dirty="0" err="1"/>
-              <a:t>toString</a:t>
-            </a:r>
-            <a:r>
-              <a:rPr lang="en-US" altLang="zh-CN" sz="2700" dirty="0"/>
-              <a:t>()</a:t>
-            </a:r>
-          </a:p>
-          <a:p>
-            <a:pPr>
-              <a:lnSpc>
-                <a:spcPct val="100000"/>
-              </a:lnSpc>
-              <a:spcBef>
-                <a:spcPts val="0"/>
-              </a:spcBef>
-            </a:pPr>
-            <a:r>
-              <a:rPr lang="zh-CN" altLang="en-US" sz="2700" dirty="0"/>
-              <a:t>设置响应为弹出保存对话框的方法：返回值设置为</a:t>
-            </a:r>
-            <a:r>
-              <a:rPr lang="en-NZ" altLang="zh-CN" sz="2700" dirty="0" err="1"/>
-              <a:t>HttpEntity</a:t>
-            </a:r>
-            <a:r>
-              <a:rPr lang="en-NZ" altLang="zh-CN" sz="2700" dirty="0"/>
-              <a:t>&lt;String&gt;</a:t>
-            </a:r>
-            <a:r>
-              <a:rPr lang="zh-CN" altLang="en-US" sz="2700" dirty="0"/>
-              <a:t>，然后</a:t>
-            </a:r>
-            <a:r>
-              <a:rPr lang="en-NZ" altLang="zh-CN" sz="2700" dirty="0" err="1"/>
-              <a:t>HttpHeaders</a:t>
-            </a:r>
-            <a:r>
-              <a:rPr lang="en-NZ" altLang="zh-CN" sz="2700" dirty="0"/>
-              <a:t> headers = new </a:t>
-            </a:r>
-            <a:r>
-              <a:rPr lang="en-NZ" altLang="zh-CN" sz="2700" dirty="0" err="1"/>
-              <a:t>HttpHeaders</a:t>
-            </a:r>
-            <a:r>
-              <a:rPr lang="en-NZ" altLang="zh-CN" sz="2700" dirty="0"/>
-              <a:t>();</a:t>
-            </a:r>
-          </a:p>
-          <a:p>
-            <a:pPr marL="0" indent="0">
-              <a:lnSpc>
-                <a:spcPct val="100000"/>
-              </a:lnSpc>
-              <a:spcBef>
-                <a:spcPts val="0"/>
-              </a:spcBef>
-              <a:buNone/>
-            </a:pPr>
-            <a:r>
-              <a:rPr lang="en-NZ" altLang="zh-CN" sz="2700" dirty="0" err="1"/>
-              <a:t>headers.setContentType</a:t>
-            </a:r>
-            <a:r>
-              <a:rPr lang="en-NZ" altLang="zh-CN" sz="2700" dirty="0"/>
-              <a:t>(</a:t>
-            </a:r>
-            <a:r>
-              <a:rPr lang="en-NZ" altLang="zh-CN" sz="2700" dirty="0" err="1"/>
-              <a:t>MediaType.APPLICATION_OCTET_STREAM</a:t>
-            </a:r>
-            <a:r>
-              <a:rPr lang="en-NZ" altLang="zh-CN" sz="2700" dirty="0"/>
-              <a:t>);</a:t>
-            </a:r>
-          </a:p>
-          <a:p>
-            <a:pPr marL="0" indent="0">
-              <a:lnSpc>
-                <a:spcPct val="100000"/>
-              </a:lnSpc>
-              <a:spcBef>
-                <a:spcPts val="0"/>
-              </a:spcBef>
-              <a:buNone/>
-            </a:pPr>
-            <a:r>
-              <a:rPr lang="en-NZ" altLang="zh-CN" sz="2700" dirty="0" err="1"/>
-              <a:t>response.setHeader</a:t>
-            </a:r>
-            <a:r>
-              <a:rPr lang="en-NZ" altLang="zh-CN" sz="2700" dirty="0"/>
-              <a:t>("Content-Disposition", "attachment; filename=</a:t>
-            </a:r>
-            <a:r>
-              <a:rPr lang="en-NZ" altLang="zh-CN" sz="2700" dirty="0" err="1"/>
-              <a:t>a.srt</a:t>
-            </a:r>
-            <a:r>
-              <a:rPr lang="en-NZ" altLang="zh-CN" sz="2700" dirty="0"/>
-              <a:t>");</a:t>
-            </a:r>
-          </a:p>
-          <a:p>
-            <a:pPr marL="0" indent="0">
-              <a:lnSpc>
-                <a:spcPct val="100000"/>
-              </a:lnSpc>
-              <a:spcBef>
-                <a:spcPts val="0"/>
-              </a:spcBef>
-              <a:buNone/>
-            </a:pPr>
-            <a:r>
-              <a:rPr lang="en-NZ" altLang="zh-CN" sz="2700" dirty="0"/>
-              <a:t>return new </a:t>
-            </a:r>
-            <a:r>
-              <a:rPr lang="en-NZ" altLang="zh-CN" sz="2700" dirty="0" err="1"/>
-              <a:t>HttpEntity</a:t>
-            </a:r>
-            <a:r>
-              <a:rPr lang="en-NZ" altLang="zh-CN" sz="2700" dirty="0"/>
-              <a:t>&lt;String&gt;(</a:t>
-            </a:r>
-            <a:r>
-              <a:rPr lang="en-NZ" altLang="zh-CN" sz="2700" dirty="0" err="1"/>
-              <a:t>sbSrt.toString</a:t>
-            </a:r>
-            <a:r>
-              <a:rPr lang="en-NZ" altLang="zh-CN" sz="2700" dirty="0"/>
-              <a:t>(), headers);</a:t>
-            </a:r>
-          </a:p>
-          <a:p>
-            <a:pPr marL="0" indent="0">
-              <a:lnSpc>
-                <a:spcPct val="100000"/>
-              </a:lnSpc>
-              <a:spcBef>
-                <a:spcPts val="0"/>
-              </a:spcBef>
-              <a:buNone/>
-            </a:pPr>
-            <a:endParaRPr lang="en-NZ" altLang="zh-CN" sz="2700" dirty="0"/>
-          </a:p>
-          <a:p>
-            <a:pPr marL="0" indent="0">
-              <a:lnSpc>
-                <a:spcPct val="100000"/>
-              </a:lnSpc>
-              <a:spcBef>
-                <a:spcPts val="0"/>
-              </a:spcBef>
-              <a:buNone/>
-            </a:pPr>
-            <a:r>
-              <a:rPr lang="zh-CN" altLang="en-US" sz="2700" dirty="0"/>
-              <a:t>把阿里云的相关配置放到配置系统中，开发环境下可以配置到</a:t>
-            </a:r>
-            <a:r>
-              <a:rPr lang="en-NZ" altLang="zh-CN" sz="2700" dirty="0"/>
-              <a:t>application-</a:t>
-            </a:r>
-            <a:r>
-              <a:rPr lang="en-NZ" altLang="zh-CN" sz="2700" dirty="0" err="1"/>
-              <a:t>dev.properties</a:t>
-            </a:r>
-            <a:endParaRPr lang="en-US" altLang="zh-CN" sz="2700" dirty="0"/>
+            <a:r>
+              <a:rPr lang="zh-CN" altLang="en-US" sz="3000" dirty="0"/>
+              <a:t>点击右上角</a:t>
+            </a:r>
+            <a:r>
+              <a:rPr lang="en-US" altLang="zh-CN" sz="3000" dirty="0"/>
+              <a:t>【</a:t>
+            </a:r>
+            <a:r>
+              <a:rPr lang="zh-CN" altLang="en-US" sz="3000" dirty="0"/>
+              <a:t>帮助文档</a:t>
+            </a:r>
+            <a:r>
+              <a:rPr lang="en-US" altLang="zh-CN" sz="3000" dirty="0"/>
+              <a:t>】</a:t>
+            </a:r>
+            <a:r>
+              <a:rPr lang="zh-CN" altLang="en-US" sz="3000" dirty="0"/>
+              <a:t>，查看文档，了解用法。大体流程：首先用</a:t>
+            </a:r>
+            <a:r>
+              <a:rPr lang="en-NZ" altLang="zh-CN" sz="3000" dirty="0" err="1"/>
+              <a:t>accessKey_ID</a:t>
+            </a:r>
+            <a:r>
+              <a:rPr lang="zh-CN" altLang="en-US" sz="3000" dirty="0"/>
+              <a:t>和</a:t>
+            </a:r>
+            <a:r>
+              <a:rPr lang="en-NZ" altLang="zh-CN" sz="3000" dirty="0" err="1"/>
+              <a:t>accessKey_Secret</a:t>
+            </a:r>
+            <a:r>
+              <a:rPr lang="zh-CN" altLang="en-US" sz="3000" dirty="0"/>
+              <a:t>换取一个存在有效期的</a:t>
+            </a:r>
+            <a:r>
+              <a:rPr lang="en-US" altLang="zh-CN" sz="3000" dirty="0" err="1"/>
+              <a:t>accesstoken</a:t>
+            </a:r>
+            <a:r>
+              <a:rPr lang="zh-CN" altLang="en-US" sz="3000" dirty="0"/>
+              <a:t>，然后再调用语音识别接口去识别。</a:t>
+            </a:r>
+            <a:endParaRPr lang="en-US" altLang="zh-CN" sz="3000" dirty="0"/>
+          </a:p>
+          <a:p>
+            <a:r>
+              <a:rPr lang="en-US" altLang="zh-CN" sz="3000" dirty="0"/>
+              <a:t>【</a:t>
+            </a:r>
+            <a:r>
+              <a:rPr lang="zh-CN" altLang="en-US" sz="3000" dirty="0"/>
+              <a:t>开发前必读</a:t>
+            </a:r>
+            <a:r>
+              <a:rPr lang="en-US" altLang="zh-CN" sz="3000" dirty="0"/>
+              <a:t>】</a:t>
+            </a:r>
+            <a:r>
+              <a:rPr lang="zh-CN" altLang="en-US" sz="3000" dirty="0"/>
+              <a:t>→</a:t>
+            </a:r>
+            <a:r>
+              <a:rPr lang="en-US" altLang="zh-CN" sz="3000" dirty="0"/>
+              <a:t>【</a:t>
+            </a:r>
+            <a:r>
+              <a:rPr lang="zh-CN" altLang="en-US" sz="3000" dirty="0"/>
+              <a:t>获取</a:t>
+            </a:r>
+            <a:r>
+              <a:rPr lang="en-US" altLang="zh-CN" sz="3000" dirty="0"/>
+              <a:t>Token】</a:t>
+            </a:r>
+            <a:r>
+              <a:rPr lang="zh-CN" altLang="en-US" sz="3000" dirty="0"/>
+              <a:t>，直接拷贝文档中的代码，获取</a:t>
+            </a:r>
+            <a:r>
+              <a:rPr lang="en-US" altLang="zh-CN" sz="3000" dirty="0"/>
+              <a:t>token</a:t>
+            </a:r>
+            <a:r>
+              <a:rPr lang="zh-CN" altLang="en-US" sz="3000" dirty="0"/>
+              <a:t>。配置暂时先写死在代码中。</a:t>
+            </a:r>
+            <a:endParaRPr lang="en-US" altLang="zh-CN" sz="3000" dirty="0"/>
+          </a:p>
+          <a:p>
+            <a:r>
+              <a:rPr lang="en-US" altLang="zh-CN" sz="3000" dirty="0"/>
+              <a:t>【</a:t>
+            </a:r>
+            <a:r>
+              <a:rPr lang="zh-CN" altLang="en-US" sz="3000" dirty="0"/>
+              <a:t> 录音文件识别极速版</a:t>
+            </a:r>
+            <a:r>
+              <a:rPr lang="en-US" altLang="zh-CN" sz="3000" dirty="0"/>
+              <a:t>】</a:t>
+            </a:r>
+            <a:r>
+              <a:rPr lang="zh-CN" altLang="en-US" sz="3000" dirty="0"/>
+              <a:t>→</a:t>
+            </a:r>
+            <a:r>
+              <a:rPr lang="en-US" altLang="zh-CN" sz="3000" dirty="0"/>
+              <a:t>【</a:t>
+            </a:r>
+            <a:r>
+              <a:rPr lang="zh-CN" altLang="en-US" sz="3000" dirty="0"/>
+              <a:t>接口说明</a:t>
+            </a:r>
+            <a:r>
+              <a:rPr lang="en-US" altLang="zh-CN" sz="3000" dirty="0"/>
+              <a:t>】</a:t>
+            </a:r>
+            <a:r>
+              <a:rPr lang="zh-CN" altLang="en-US" sz="3000" dirty="0"/>
+              <a:t>→</a:t>
+            </a:r>
+            <a:r>
+              <a:rPr lang="en-US" altLang="zh-CN" sz="3000" dirty="0"/>
+              <a:t>【Java</a:t>
+            </a:r>
+            <a:r>
+              <a:rPr lang="zh-CN" altLang="en-US" sz="3000" dirty="0"/>
+              <a:t>示例</a:t>
+            </a:r>
+            <a:r>
+              <a:rPr lang="en-US" altLang="zh-CN" sz="3000" dirty="0"/>
+              <a:t>】</a:t>
+            </a:r>
+            <a:r>
+              <a:rPr lang="zh-CN" altLang="en-US" sz="3000" dirty="0"/>
+              <a:t>。文档里的</a:t>
+            </a:r>
+            <a:r>
+              <a:rPr lang="en-NZ" altLang="zh-CN" sz="3000" dirty="0" err="1"/>
+              <a:t>fastjson</a:t>
+            </a:r>
+            <a:r>
+              <a:rPr lang="zh-CN" altLang="en-US" sz="3000" dirty="0"/>
+              <a:t>的</a:t>
+            </a:r>
+            <a:r>
+              <a:rPr lang="en-NZ" altLang="zh-CN" sz="3000" dirty="0"/>
+              <a:t>version</a:t>
+            </a:r>
+            <a:r>
+              <a:rPr lang="zh-CN" altLang="en-US" sz="3000" dirty="0"/>
+              <a:t>写错了。</a:t>
+            </a:r>
+            <a:endParaRPr lang="en-US" altLang="zh-CN" sz="3000" dirty="0"/>
+          </a:p>
+          <a:p>
+            <a:r>
+              <a:rPr lang="zh-CN" altLang="en-US" sz="3000" dirty="0"/>
+              <a:t>用</a:t>
+            </a:r>
+            <a:r>
+              <a:rPr lang="en-US" altLang="zh-CN" sz="3000" dirty="0"/>
+              <a:t>【</a:t>
+            </a:r>
+            <a:r>
+              <a:rPr lang="zh-CN" altLang="en-US" sz="3000" dirty="0"/>
+              <a:t>托福老</a:t>
+            </a:r>
+            <a:r>
+              <a:rPr lang="en-US" altLang="zh-CN" sz="3000" dirty="0"/>
+              <a:t>93</a:t>
+            </a:r>
+            <a:r>
+              <a:rPr lang="zh-CN" altLang="en-US" sz="3000" dirty="0"/>
+              <a:t>篇</a:t>
+            </a:r>
+            <a:r>
+              <a:rPr lang="en-US" altLang="zh-CN" sz="3000" dirty="0"/>
+              <a:t>】</a:t>
+            </a:r>
+            <a:r>
+              <a:rPr lang="zh-CN" altLang="en-US" sz="3000" dirty="0"/>
+              <a:t>里面的做实验，文件小。输出响应的内容。</a:t>
+            </a:r>
+            <a:endParaRPr lang="en-US" altLang="zh-CN" sz="3000" dirty="0"/>
+          </a:p>
+          <a:p>
+            <a:r>
+              <a:rPr lang="zh-CN" altLang="en-US" sz="3000" dirty="0"/>
+              <a:t>遗憾：识别出来的一个录音文件是整个一句话。</a:t>
+            </a:r>
+            <a:endParaRPr lang="en-US" altLang="zh-CN" sz="3000" dirty="0"/>
           </a:p>
         </p:txBody>
       </p:sp>
     </p:spTree>
     <p:extLst>
       <p:ext uri="{BB962C8B-B14F-4D97-AF65-F5344CB8AC3E}">
-        <p14:creationId xmlns:p14="http://schemas.microsoft.com/office/powerpoint/2010/main" val="4067687152"/>
+        <p14:creationId xmlns:p14="http://schemas.microsoft.com/office/powerpoint/2010/main" val="1056339869"/>
       </p:ext>
     </p:extLst>
   </p:cSld>
@@ -11462,7 +11120,7 @@
             <a:pPr algn="l"/>
             <a:r>
               <a:rPr lang="zh-CN" altLang="en-US" dirty="0"/>
-              <a:t>部署</a:t>
+              <a:t>优化</a:t>
             </a:r>
           </a:p>
         </p:txBody>
@@ -11504,20 +11162,56 @@
               </a:spcBef>
             </a:pPr>
             <a:r>
-              <a:rPr lang="zh-CN" altLang="en-US" sz="5000" dirty="0"/>
-              <a:t>部署前，不要忘了把代码</a:t>
-            </a:r>
-            <a:r>
-              <a:rPr lang="en-US" altLang="zh-CN" sz="5000" dirty="0"/>
-              <a:t>push</a:t>
-            </a:r>
-            <a:r>
-              <a:rPr lang="zh-CN" altLang="en-US" sz="5000" dirty="0"/>
-              <a:t>到</a:t>
-            </a:r>
-            <a:r>
-              <a:rPr lang="en-US" altLang="zh-CN" sz="5000" dirty="0"/>
-              <a:t>git</a:t>
+              <a:rPr lang="zh-CN" altLang="en-US" sz="2700" dirty="0"/>
+              <a:t>使用</a:t>
+            </a:r>
+            <a:r>
+              <a:rPr lang="en-US" altLang="zh-CN" sz="2700" dirty="0" err="1"/>
+              <a:t>Gson</a:t>
+            </a:r>
+            <a:r>
+              <a:rPr lang="zh-CN" altLang="en-US" sz="2700" dirty="0"/>
+              <a:t>解析出来英语：</a:t>
+            </a:r>
+            <a:r>
+              <a:rPr lang="en-NZ" altLang="zh-CN" sz="2700" dirty="0" err="1"/>
+              <a:t>JsonObject</a:t>
+            </a:r>
+            <a:r>
+              <a:rPr lang="en-NZ" altLang="zh-CN" sz="2700" dirty="0"/>
+              <a:t> </a:t>
+            </a:r>
+            <a:r>
+              <a:rPr lang="en-NZ" altLang="zh-CN" sz="2700" dirty="0" err="1"/>
+              <a:t>jsonObj</a:t>
+            </a:r>
+            <a:r>
+              <a:rPr lang="en-NZ" altLang="zh-CN" sz="2700" dirty="0"/>
+              <a:t> = </a:t>
+            </a:r>
+            <a:r>
+              <a:rPr lang="en-NZ" altLang="zh-CN" sz="2700" dirty="0" err="1"/>
+              <a:t>JsonParser.parseString</a:t>
+            </a:r>
+            <a:r>
+              <a:rPr lang="en-NZ" altLang="zh-CN" sz="2700" dirty="0"/>
+              <a:t>(</a:t>
+            </a:r>
+            <a:r>
+              <a:rPr lang="en-NZ" altLang="zh-CN" sz="2700" dirty="0" err="1"/>
+              <a:t>recResponse</a:t>
+            </a:r>
+            <a:r>
+              <a:rPr lang="en-NZ" altLang="zh-CN" sz="2700" dirty="0"/>
+              <a:t>).</a:t>
+            </a:r>
+            <a:r>
+              <a:rPr lang="en-NZ" altLang="zh-CN" sz="2700" dirty="0" err="1"/>
+              <a:t>getAsJsonObject</a:t>
+            </a:r>
+            <a:r>
+              <a:rPr lang="en-NZ" altLang="zh-CN" sz="2700" dirty="0"/>
+              <a:t>();</a:t>
             </a:r>
           </a:p>
           <a:p>
@@ -11530,10 +11224,18 @@
               </a:spcBef>
             </a:pPr>
             <a:r>
-              <a:rPr lang="zh-CN" altLang="en-US" sz="5000" dirty="0"/>
-              <a:t>运行前，要设置环境变量</a:t>
-            </a:r>
-            <a:endParaRPr lang="en-US" altLang="zh-CN" sz="5000" dirty="0"/>
+              <a:rPr lang="zh-CN" altLang="en-US" sz="2700" dirty="0"/>
+              <a:t>如果必须用阿里云识别字幕，只能把一句话用“</a:t>
+            </a:r>
+            <a:r>
+              <a:rPr lang="en-US" altLang="zh-CN" sz="2700" dirty="0"/>
+              <a:t>?!.</a:t>
+            </a:r>
+            <a:r>
+              <a:rPr lang="zh-CN" altLang="en-US" sz="2700" dirty="0"/>
+              <a:t>”等进行分割，然后根据总时长进行估计切割。</a:t>
+            </a:r>
+            <a:endParaRPr lang="en-US" altLang="zh-CN" sz="2700" dirty="0"/>
           </a:p>
           <a:p>
             <a:pPr>
@@ -11545,10 +11247,57 @@
               </a:spcBef>
             </a:pPr>
             <a:r>
-              <a:rPr lang="zh-CN" altLang="en-US" sz="5000" dirty="0"/>
-              <a:t>部署到测试或者生产环境，可以使用日志中的临时域名，备案后也可以用永久的自定义域名。</a:t>
-            </a:r>
-            <a:endParaRPr lang="en-US" altLang="zh-CN" sz="5000" dirty="0"/>
+              <a:rPr lang="zh-CN" altLang="en-US" sz="2700" dirty="0"/>
+              <a:t>把纳秒（</a:t>
+            </a:r>
+            <a:r>
+              <a:rPr lang="en-US" altLang="zh-CN" sz="2700" dirty="0"/>
+              <a:t>1000_000</a:t>
+            </a:r>
+            <a:r>
+              <a:rPr lang="zh-CN" altLang="en-US" sz="2700" dirty="0"/>
+              <a:t>纳秒</a:t>
+            </a:r>
+            <a:r>
+              <a:rPr lang="en-US" altLang="zh-CN" sz="2700" dirty="0"/>
+              <a:t>=1</a:t>
+            </a:r>
+            <a:r>
+              <a:rPr lang="zh-CN" altLang="en-US" sz="2700" dirty="0"/>
+              <a:t>毫秒）转换为时间格式用：</a:t>
+            </a:r>
+            <a:r>
+              <a:rPr lang="en-NZ" altLang="zh-CN" sz="2700" dirty="0"/>
+              <a:t> </a:t>
+            </a:r>
+            <a:r>
+              <a:rPr lang="en-NZ" altLang="zh-CN" sz="2700" dirty="0" err="1"/>
+              <a:t>LocalTime.ofNanoOfDay</a:t>
+            </a:r>
+            <a:r>
+              <a:rPr lang="en-NZ" altLang="zh-CN" sz="2700" dirty="0"/>
+              <a:t>(</a:t>
+            </a:r>
+            <a:r>
+              <a:rPr lang="en-US" altLang="zh-CN" sz="2700" dirty="0"/>
+              <a:t>ns</a:t>
+            </a:r>
+            <a:r>
+              <a:rPr lang="en-NZ" altLang="zh-CN" sz="2700" dirty="0"/>
+              <a:t>);</a:t>
+            </a:r>
+            <a:r>
+              <a:rPr lang="zh-CN" altLang="en-US" sz="2700" dirty="0"/>
+              <a:t>然后</a:t>
+            </a:r>
+            <a:r>
+              <a:rPr lang="en-US" altLang="zh-CN" sz="2700" dirty="0" err="1"/>
+              <a:t>toString</a:t>
+            </a:r>
+            <a:r>
+              <a:rPr lang="en-US" altLang="zh-CN" sz="2700" dirty="0"/>
+              <a:t>()</a:t>
+            </a:r>
           </a:p>
           <a:p>
             <a:pPr>
@@ -11560,17 +11309,165 @@
               </a:spcBef>
             </a:pPr>
             <a:r>
-              <a:rPr lang="zh-CN" altLang="en-US" sz="5000" dirty="0"/>
-              <a:t>关于“弹性实例”</a:t>
-            </a:r>
-            <a:endParaRPr lang="en-US" altLang="zh-CN" sz="5000" dirty="0"/>
+              <a:rPr lang="zh-CN" altLang="en-US" sz="2700" dirty="0"/>
+              <a:t>设置响应为弹出保存对话框的方法：返回值设置为</a:t>
+            </a:r>
+            <a:r>
+              <a:rPr lang="en-NZ" altLang="zh-CN" sz="2700" dirty="0" err="1"/>
+              <a:t>HttpEntity</a:t>
+            </a:r>
+            <a:r>
+              <a:rPr lang="en-NZ" altLang="zh-CN" sz="2700" dirty="0"/>
+              <a:t>&lt;String&gt;</a:t>
+            </a:r>
+            <a:r>
+              <a:rPr lang="zh-CN" altLang="en-US" sz="2700" dirty="0"/>
+              <a:t>，然后</a:t>
+            </a:r>
+            <a:r>
+              <a:rPr lang="en-NZ" altLang="zh-CN" sz="2700" dirty="0" err="1"/>
+              <a:t>HttpHeaders</a:t>
+            </a:r>
+            <a:r>
+              <a:rPr lang="en-NZ" altLang="zh-CN" sz="2700" dirty="0"/>
+              <a:t> headers = new </a:t>
+            </a:r>
+            <a:r>
+              <a:rPr lang="en-NZ" altLang="zh-CN" sz="2700" dirty="0" err="1"/>
+              <a:t>HttpHeaders</a:t>
+            </a:r>
+            <a:r>
+              <a:rPr lang="en-NZ" altLang="zh-CN" sz="2700" dirty="0"/>
+              <a:t>();</a:t>
+            </a:r>
+          </a:p>
+          <a:p>
+            <a:pPr marL="0" indent="0">
+              <a:lnSpc>
+                <a:spcPct val="100000"/>
+              </a:lnSpc>
+              <a:spcBef>
+                <a:spcPts val="0"/>
+              </a:spcBef>
+              <a:buNone/>
+            </a:pPr>
+            <a:r>
+              <a:rPr lang="en-NZ" altLang="zh-CN" sz="2700" dirty="0" err="1"/>
+              <a:t>headers.setContentType</a:t>
+            </a:r>
+            <a:r>
+              <a:rPr lang="en-NZ" altLang="zh-CN" sz="2700" dirty="0"/>
+              <a:t>(</a:t>
+            </a:r>
+            <a:r>
+              <a:rPr lang="en-NZ" altLang="zh-CN" sz="2700" dirty="0" err="1"/>
+              <a:t>MediaType.APPLICATION_OCTET_STREAM</a:t>
+            </a:r>
+            <a:r>
+              <a:rPr lang="en-NZ" altLang="zh-CN" sz="2700" dirty="0"/>
+              <a:t>);</a:t>
+            </a:r>
+          </a:p>
+          <a:p>
+            <a:pPr marL="0" indent="0">
+              <a:lnSpc>
+                <a:spcPct val="100000"/>
+              </a:lnSpc>
+              <a:spcBef>
+                <a:spcPts val="0"/>
+              </a:spcBef>
+              <a:buNone/>
+            </a:pPr>
+            <a:r>
+              <a:rPr lang="en-NZ" altLang="zh-CN" sz="2700" dirty="0" err="1"/>
+              <a:t>response.setHeader</a:t>
+            </a:r>
+            <a:r>
+              <a:rPr lang="en-NZ" altLang="zh-CN" sz="2700" dirty="0"/>
+              <a:t>("Content-Disposition", "attachment; filename=</a:t>
+            </a:r>
+            <a:r>
+              <a:rPr lang="en-NZ" altLang="zh-CN" sz="2700" dirty="0" err="1"/>
+              <a:t>a.srt</a:t>
+            </a:r>
+            <a:r>
+              <a:rPr lang="en-NZ" altLang="zh-CN" sz="2700" dirty="0"/>
+              <a:t>");</a:t>
+            </a:r>
+          </a:p>
+          <a:p>
+            <a:pPr marL="0" indent="0">
+              <a:lnSpc>
+                <a:spcPct val="100000"/>
+              </a:lnSpc>
+              <a:spcBef>
+                <a:spcPts val="0"/>
+              </a:spcBef>
+              <a:buNone/>
+            </a:pPr>
+            <a:r>
+              <a:rPr lang="en-NZ" altLang="zh-CN" sz="2700" dirty="0"/>
+              <a:t>return new </a:t>
+            </a:r>
+            <a:r>
+              <a:rPr lang="en-NZ" altLang="zh-CN" sz="2700" dirty="0" err="1"/>
+              <a:t>HttpEntity</a:t>
+            </a:r>
+            <a:r>
+              <a:rPr lang="en-NZ" altLang="zh-CN" sz="2700" dirty="0"/>
+              <a:t>&lt;String&gt;(</a:t>
+            </a:r>
+            <a:r>
+              <a:rPr lang="en-NZ" altLang="zh-CN" sz="2700" dirty="0" err="1"/>
+              <a:t>sbSrt.toString</a:t>
+            </a:r>
+            <a:r>
+              <a:rPr lang="en-NZ" altLang="zh-CN" sz="2700" dirty="0"/>
+              <a:t>(), headers);</a:t>
+            </a:r>
+          </a:p>
+          <a:p>
+            <a:pPr marL="0" indent="0">
+              <a:lnSpc>
+                <a:spcPct val="100000"/>
+              </a:lnSpc>
+              <a:spcBef>
+                <a:spcPts val="0"/>
+              </a:spcBef>
+              <a:buNone/>
+            </a:pPr>
+            <a:endParaRPr lang="en-NZ" altLang="zh-CN" sz="2700" dirty="0"/>
+          </a:p>
+          <a:p>
+            <a:pPr marL="0" indent="0">
+              <a:lnSpc>
+                <a:spcPct val="100000"/>
+              </a:lnSpc>
+              <a:spcBef>
+                <a:spcPts val="0"/>
+              </a:spcBef>
+              <a:buNone/>
+            </a:pPr>
+            <a:r>
+              <a:rPr lang="zh-CN" altLang="en-US" sz="2700" dirty="0"/>
+              <a:t>把阿里云的相关配置放到配置系统中，开发环境下可以配置到</a:t>
+            </a:r>
+            <a:r>
+              <a:rPr lang="en-NZ" altLang="zh-CN" sz="2700" dirty="0"/>
+              <a:t>application-</a:t>
+            </a:r>
+            <a:r>
+              <a:rPr lang="en-NZ" altLang="zh-CN" sz="2700" dirty="0" err="1"/>
+              <a:t>dev.properties</a:t>
+            </a:r>
+            <a:endParaRPr lang="en-US" altLang="zh-CN" sz="2700" dirty="0"/>
           </a:p>
         </p:txBody>
       </p:sp>
     </p:spTree>
     <p:extLst>
       <p:ext uri="{BB962C8B-B14F-4D97-AF65-F5344CB8AC3E}">
-        <p14:creationId xmlns:p14="http://schemas.microsoft.com/office/powerpoint/2010/main" val="1526252175"/>
+        <p14:creationId xmlns:p14="http://schemas.microsoft.com/office/powerpoint/2010/main" val="4067687152"/>
       </p:ext>
     </p:extLst>
   </p:cSld>
@@ -11735,6 +11632,170 @@
       </p:grpSpPr>
       <p:sp>
         <p:nvSpPr>
+          <p:cNvPr id="2" name="标题 1">
+            <a:extLst>
+              <a:ext uri="{FF2B5EF4-FFF2-40B4-BE49-F238E27FC236}">
+                <a16:creationId xmlns:a16="http://schemas.microsoft.com/office/drawing/2014/main" id="{6B7FD4AE-1F6A-487E-9CB9-96D18CE247E2}"/>
+              </a:ext>
+            </a:extLst>
+          </p:cNvPr>
+          <p:cNvSpPr>
+            <a:spLocks noGrp="1"/>
+          </p:cNvSpPr>
+          <p:nvPr>
+            <p:ph type="title"/>
+          </p:nvPr>
+        </p:nvSpPr>
+        <p:spPr>
+          <a:xfrm>
+            <a:off x="141890" y="136635"/>
+            <a:ext cx="5581598" cy="572814"/>
+          </a:xfrm>
+        </p:spPr>
+        <p:txBody>
+          <a:bodyPr/>
+          <a:lstStyle/>
+          <a:p>
+            <a:pPr algn="l"/>
+            <a:r>
+              <a:rPr lang="zh-CN" altLang="en-US" dirty="0"/>
+              <a:t>部署</a:t>
+            </a:r>
+          </a:p>
+        </p:txBody>
+      </p:sp>
+      <p:sp>
+        <p:nvSpPr>
+          <p:cNvPr id="3" name="内容占位符 2">
+            <a:extLst>
+              <a:ext uri="{FF2B5EF4-FFF2-40B4-BE49-F238E27FC236}">
+                <a16:creationId xmlns:a16="http://schemas.microsoft.com/office/drawing/2014/main" id="{207B0391-BA34-4520-B497-4959140DCB22}"/>
+              </a:ext>
+            </a:extLst>
+          </p:cNvPr>
+          <p:cNvSpPr>
+            <a:spLocks noGrp="1"/>
+          </p:cNvSpPr>
+          <p:nvPr>
+            <p:ph idx="1"/>
+          </p:nvPr>
+        </p:nvSpPr>
+        <p:spPr>
+          <a:xfrm>
+            <a:off x="0" y="850587"/>
+            <a:ext cx="12192000" cy="5870777"/>
+          </a:xfrm>
+        </p:spPr>
+        <p:txBody>
+          <a:bodyPr>
+            <a:noAutofit/>
+          </a:bodyPr>
+          <a:lstStyle/>
+          <a:p>
+            <a:pPr>
+              <a:lnSpc>
+                <a:spcPct val="100000"/>
+              </a:lnSpc>
+              <a:spcBef>
+                <a:spcPts val="0"/>
+              </a:spcBef>
+            </a:pPr>
+            <a:r>
+              <a:rPr lang="zh-CN" altLang="en-US" sz="5000" dirty="0"/>
+              <a:t>部署前，不要忘了把代码</a:t>
+            </a:r>
+            <a:r>
+              <a:rPr lang="en-US" altLang="zh-CN" sz="5000" dirty="0"/>
+              <a:t>push</a:t>
+            </a:r>
+            <a:r>
+              <a:rPr lang="zh-CN" altLang="en-US" sz="5000" dirty="0"/>
+              <a:t>到</a:t>
+            </a:r>
+            <a:r>
+              <a:rPr lang="en-US" altLang="zh-CN" sz="5000" dirty="0"/>
+              <a:t>git</a:t>
+            </a:r>
+          </a:p>
+          <a:p>
+            <a:pPr>
+              <a:lnSpc>
+                <a:spcPct val="100000"/>
+              </a:lnSpc>
+              <a:spcBef>
+                <a:spcPts val="0"/>
+              </a:spcBef>
+            </a:pPr>
+            <a:r>
+              <a:rPr lang="zh-CN" altLang="en-US" sz="5000" dirty="0"/>
+              <a:t>运行前，要设置环境变量</a:t>
+            </a:r>
+            <a:endParaRPr lang="en-US" altLang="zh-CN" sz="5000" dirty="0"/>
+          </a:p>
+          <a:p>
+            <a:pPr>
+              <a:lnSpc>
+                <a:spcPct val="100000"/>
+              </a:lnSpc>
+              <a:spcBef>
+                <a:spcPts val="0"/>
+              </a:spcBef>
+            </a:pPr>
+            <a:r>
+              <a:rPr lang="zh-CN" altLang="en-US" sz="5000" dirty="0"/>
+              <a:t>部署到测试或者生产环境，可以使用日志中的临时域名，备案后也可以用永久的自定义域名。</a:t>
+            </a:r>
+            <a:endParaRPr lang="en-US" altLang="zh-CN" sz="5000" dirty="0"/>
+          </a:p>
+          <a:p>
+            <a:pPr>
+              <a:lnSpc>
+                <a:spcPct val="100000"/>
+              </a:lnSpc>
+              <a:spcBef>
+                <a:spcPts val="0"/>
+              </a:spcBef>
+            </a:pPr>
+            <a:r>
+              <a:rPr lang="zh-CN" altLang="en-US" sz="5000" dirty="0"/>
+              <a:t>关于“弹性实例”</a:t>
+            </a:r>
+            <a:endParaRPr lang="en-US" altLang="zh-CN" sz="5000" dirty="0"/>
+          </a:p>
+        </p:txBody>
+      </p:sp>
+    </p:spTree>
+    <p:extLst>
+      <p:ext uri="{BB962C8B-B14F-4D97-AF65-F5344CB8AC3E}">
+        <p14:creationId xmlns:p14="http://schemas.microsoft.com/office/powerpoint/2010/main" val="1526252175"/>
+      </p:ext>
+    </p:extLst>
+  </p:cSld>
+  <p:clrMapOvr>
+    <a:masterClrMapping/>
+  </p:clrMapOvr>
+</p:sld>
+</file>
+
+<file path=ppt/slides/slide21.xml><?xml version="1.0" encoding="utf-8"?>
+<p:sld xmlns:a="http://schemas.openxmlformats.org/drawingml/2006/main" xmlns:r="http://schemas.openxmlformats.org/officeDocument/2006/relationships" xmlns:p="http://schemas.openxmlformats.org/presentationml/2006/main">
+  <p:cSld>
+    <p:spTree>
+      <p:nvGrpSpPr>
+        <p:cNvPr id="1" name=""/>
+        <p:cNvGrpSpPr/>
+        <p:nvPr/>
+      </p:nvGrpSpPr>
+      <p:grpSpPr>
+        <a:xfrm>
+          <a:off x="0" y="0"/>
+          <a:ext cx="0" cy="0"/>
+          <a:chOff x="0" y="0"/>
+          <a:chExt cx="0" cy="0"/>
+        </a:xfrm>
+      </p:grpSpPr>
+      <p:sp>
+        <p:nvSpPr>
           <p:cNvPr id="3" name="内容占位符 2">
             <a:extLst>
               <a:ext uri="{FF2B5EF4-FFF2-40B4-BE49-F238E27FC236}">
@@ -12147,6 +12208,105 @@
           <a:chExt cx="0" cy="0"/>
         </a:xfrm>
       </p:grpSpPr>
+      <p:sp>
+        <p:nvSpPr>
+          <p:cNvPr id="3" name="内容占位符 2">
+            <a:extLst>
+              <a:ext uri="{FF2B5EF4-FFF2-40B4-BE49-F238E27FC236}">
+                <a16:creationId xmlns:a16="http://schemas.microsoft.com/office/drawing/2014/main" id="{722AE3CE-25DE-438E-BBFD-B0A334A1B651}"/>
+              </a:ext>
+            </a:extLst>
+          </p:cNvPr>
+          <p:cNvSpPr>
+            <a:spLocks noGrp="1"/>
+          </p:cNvSpPr>
+          <p:nvPr>
+            <p:ph idx="1"/>
+          </p:nvPr>
+        </p:nvSpPr>
+        <p:spPr>
+          <a:xfrm>
+            <a:off x="173420" y="361857"/>
+            <a:ext cx="12018579" cy="6385784"/>
+          </a:xfrm>
+        </p:spPr>
+        <p:txBody>
+          <a:bodyPr>
+            <a:noAutofit/>
+          </a:bodyPr>
+          <a:lstStyle/>
+          <a:p>
+            <a:pPr marL="0" indent="0">
+              <a:buNone/>
+            </a:pPr>
+            <a:r>
+              <a:rPr lang="en-US" altLang="zh-CN" sz="5000" dirty="0"/>
+              <a:t>1</a:t>
+            </a:r>
+            <a:r>
+              <a:rPr lang="zh-CN" altLang="en-US" sz="5000" dirty="0"/>
+              <a:t>、代码和课件下载地址 </a:t>
+            </a:r>
+            <a:r>
+              <a:rPr lang="en-US" altLang="zh-CN" sz="3000" dirty="0">
+                <a:hlinkClick r:id="rId2"/>
+              </a:rPr>
+              <a:t>https://github.com/yangzhongke/aliyun_yunkaifapingtai_demo</a:t>
+            </a:r>
+            <a:endParaRPr lang="en-US" altLang="zh-CN" sz="3000" dirty="0"/>
+          </a:p>
+          <a:p>
+            <a:pPr marL="0" indent="0">
+              <a:buNone/>
+            </a:pPr>
+            <a:r>
+              <a:rPr lang="en-US" altLang="zh-CN" sz="5000" dirty="0"/>
+              <a:t>2</a:t>
+            </a:r>
+            <a:r>
+              <a:rPr lang="zh-CN" altLang="en-US" sz="5000" dirty="0"/>
+              <a:t>、阿里云云开发平台地址：</a:t>
+            </a:r>
+            <a:r>
+              <a:rPr lang="en-US" altLang="zh-CN" sz="3000" dirty="0">
+                <a:hlinkClick r:id="rId3"/>
+              </a:rPr>
+              <a:t>https://workbench.aliyun.com/?source=5176.11533457&amp;userCode=n9nebfal</a:t>
+            </a:r>
+            <a:endParaRPr lang="zh-CN" altLang="en-US" sz="3000" dirty="0"/>
+          </a:p>
+        </p:txBody>
+      </p:sp>
+    </p:spTree>
+    <p:extLst>
+      <p:ext uri="{BB962C8B-B14F-4D97-AF65-F5344CB8AC3E}">
+        <p14:creationId xmlns:p14="http://schemas.microsoft.com/office/powerpoint/2010/main" val="715778561"/>
+      </p:ext>
+    </p:extLst>
+  </p:cSld>
+  <p:clrMapOvr>
+    <a:masterClrMapping/>
+  </p:clrMapOvr>
+</p:sld>
+</file>
+
+<file path=ppt/slides/slide7.xml><?xml version="1.0" encoding="utf-8"?>
+<p:sld xmlns:a="http://schemas.openxmlformats.org/drawingml/2006/main" xmlns:r="http://schemas.openxmlformats.org/officeDocument/2006/relationships" xmlns:p="http://schemas.openxmlformats.org/presentationml/2006/main">
+  <p:cSld>
+    <p:spTree>
+      <p:nvGrpSpPr>
+        <p:cNvPr id="1" name=""/>
+        <p:cNvGrpSpPr/>
+        <p:nvPr/>
+      </p:nvGrpSpPr>
+      <p:grpSpPr>
+        <a:xfrm>
+          <a:off x="0" y="0"/>
+          <a:ext cx="0" cy="0"/>
+          <a:chOff x="0" y="0"/>
+          <a:chExt cx="0" cy="0"/>
+        </a:xfrm>
+      </p:grpSpPr>
       <p:pic>
         <p:nvPicPr>
           <p:cNvPr id="5" name="图片 4">
@@ -12190,110 +12350,6 @@
 </p:sld>
 </file>
 
-<file path=ppt/slides/slide7.xml><?xml version="1.0" encoding="utf-8"?>
-<p:sld xmlns:a="http://schemas.openxmlformats.org/drawingml/2006/main" xmlns:r="http://schemas.openxmlformats.org/officeDocument/2006/relationships" xmlns:p="http://schemas.openxmlformats.org/presentationml/2006/main">
-  <p:cSld>
-    <p:spTree>
-      <p:nvGrpSpPr>
-        <p:cNvPr id="1" name=""/>
-        <p:cNvGrpSpPr/>
-        <p:nvPr/>
-      </p:nvGrpSpPr>
-      <p:grpSpPr>
-        <a:xfrm>
-          <a:off x="0" y="0"/>
-          <a:ext cx="0" cy="0"/>
-          <a:chOff x="0" y="0"/>
-          <a:chExt cx="0" cy="0"/>
-        </a:xfrm>
-      </p:grpSpPr>
-      <p:sp>
-        <p:nvSpPr>
-          <p:cNvPr id="3" name="内容占位符 2">
-            <a:extLst>
-              <a:ext uri="{FF2B5EF4-FFF2-40B4-BE49-F238E27FC236}">
-                <a16:creationId xmlns:a16="http://schemas.microsoft.com/office/drawing/2014/main" id="{08D9BE8F-C60A-45DA-B7B1-9FF42523BA02}"/>
-              </a:ext>
-            </a:extLst>
-          </p:cNvPr>
-          <p:cNvSpPr>
-            <a:spLocks noGrp="1"/>
-          </p:cNvSpPr>
-          <p:nvPr>
-            <p:ph idx="1"/>
-          </p:nvPr>
-        </p:nvSpPr>
-        <p:spPr>
-          <a:xfrm>
-            <a:off x="0" y="0"/>
-            <a:ext cx="11935326" cy="1954924"/>
-          </a:xfrm>
-        </p:spPr>
-        <p:txBody>
-          <a:bodyPr>
-            <a:noAutofit/>
-          </a:bodyPr>
-          <a:lstStyle/>
-          <a:p>
-            <a:pPr marL="0" indent="0">
-              <a:spcBef>
-                <a:spcPts val="200"/>
-              </a:spcBef>
-              <a:buNone/>
-            </a:pPr>
-            <a:r>
-              <a:rPr lang="en-US" altLang="zh-CN" sz="5000" dirty="0"/>
-              <a:t>Serverless</a:t>
-            </a:r>
-          </a:p>
-          <a:p>
-            <a:pPr marL="0" indent="0">
-              <a:spcBef>
-                <a:spcPts val="200"/>
-              </a:spcBef>
-              <a:buNone/>
-            </a:pPr>
-            <a:r>
-              <a:rPr lang="en-US" altLang="zh-CN" sz="5000" dirty="0"/>
-              <a:t>Server(</a:t>
-            </a:r>
-            <a:r>
-              <a:rPr lang="zh-CN" altLang="en-US" sz="5000" dirty="0"/>
-              <a:t>服务器</a:t>
-            </a:r>
-            <a:r>
-              <a:rPr lang="en-US" altLang="zh-CN" sz="5000" dirty="0"/>
-              <a:t>)less(</a:t>
-            </a:r>
-            <a:r>
-              <a:rPr lang="zh-CN" altLang="en-US" sz="5000" dirty="0"/>
-              <a:t>没有</a:t>
-            </a:r>
-            <a:r>
-              <a:rPr lang="en-US" altLang="zh-CN" sz="5000" dirty="0"/>
-              <a:t>)</a:t>
-            </a:r>
-            <a:r>
-              <a:rPr lang="zh-CN" altLang="en-US" sz="5000" dirty="0"/>
-              <a:t>→没有服务器？</a:t>
-            </a:r>
-            <a:endParaRPr lang="en-US" altLang="zh-CN" sz="5000" dirty="0"/>
-          </a:p>
-        </p:txBody>
-      </p:sp>
-    </p:spTree>
-    <p:extLst>
-      <p:ext uri="{BB962C8B-B14F-4D97-AF65-F5344CB8AC3E}">
-        <p14:creationId xmlns:p14="http://schemas.microsoft.com/office/powerpoint/2010/main" val="632069799"/>
-      </p:ext>
-    </p:extLst>
-  </p:cSld>
-  <p:clrMapOvr>
-    <a:masterClrMapping/>
-  </p:clrMapOvr>
-</p:sld>
-</file>
-
 <file path=ppt/slides/slide8.xml><?xml version="1.0" encoding="utf-8"?>
 <p:sld xmlns:a="http://schemas.openxmlformats.org/drawingml/2006/main" xmlns:r="http://schemas.openxmlformats.org/officeDocument/2006/relationships" xmlns:p="http://schemas.openxmlformats.org/presentationml/2006/main">
   <p:cSld>
@@ -12330,7 +12386,7 @@
         <p:spPr>
           <a:xfrm>
             <a:off x="0" y="0"/>
-            <a:ext cx="11935326" cy="914400"/>
+            <a:ext cx="11935326" cy="1954924"/>
           </a:xfrm>
         </p:spPr>
         <p:txBody>
@@ -12350,186 +12406,45 @@
               <a:t>Serverless</a:t>
             </a:r>
           </a:p>
-        </p:txBody>
-      </p:sp>
-      <p:sp>
-        <p:nvSpPr>
-          <p:cNvPr id="2" name="文本框 1">
-            <a:extLst>
-              <a:ext uri="{FF2B5EF4-FFF2-40B4-BE49-F238E27FC236}">
-                <a16:creationId xmlns:a16="http://schemas.microsoft.com/office/drawing/2014/main" id="{1A85FC86-6BE9-4614-A864-E8BB63A136E5}"/>
-              </a:ext>
-            </a:extLst>
-          </p:cNvPr>
-          <p:cNvSpPr txBox="1"/>
-          <p:nvPr/>
-        </p:nvSpPr>
-        <p:spPr>
-          <a:xfrm>
-            <a:off x="283780" y="1686911"/>
-            <a:ext cx="6290441" cy="4708981"/>
-          </a:xfrm>
-          <a:prstGeom prst="rect">
-            <a:avLst/>
-          </a:prstGeom>
-          <a:solidFill>
-            <a:srgbClr val="002060"/>
-          </a:solidFill>
-          <a:ln>
-            <a:solidFill>
-              <a:schemeClr val="accent1"/>
-            </a:solidFill>
-          </a:ln>
-        </p:spPr>
-        <p:txBody>
-          <a:bodyPr wrap="square" rtlCol="0">
-            <a:spAutoFit/>
-          </a:bodyPr>
-          <a:lstStyle/>
-          <a:p>
+          <a:p>
+            <a:pPr marL="0" indent="0">
+              <a:spcBef>
+                <a:spcPts val="200"/>
+              </a:spcBef>
+              <a:buNone/>
+            </a:pPr>
+            <a:r>
+              <a:rPr lang="en-US" altLang="zh-CN" sz="5000" dirty="0"/>
+              <a:t>Server(</a:t>
+            </a:r>
             <a:r>
               <a:rPr lang="zh-CN" altLang="en-US" sz="5000" dirty="0"/>
-              <a:t>写代码</a:t>
+              <a:t>服务器</a:t>
+            </a:r>
+            <a:r>
+              <a:rPr lang="en-US" altLang="zh-CN" sz="5000" dirty="0"/>
+              <a:t>)less(</a:t>
+            </a:r>
+            <a:r>
+              <a:rPr lang="zh-CN" altLang="en-US" sz="5000" dirty="0"/>
+              <a:t>没有</a:t>
+            </a:r>
+            <a:r>
+              <a:rPr lang="en-US" altLang="zh-CN" sz="5000" dirty="0"/>
+              <a:t>)</a:t>
+            </a:r>
+            <a:r>
+              <a:rPr lang="zh-CN" altLang="en-US" sz="5000" dirty="0"/>
+              <a:t>→没有服务器？</a:t>
             </a:r>
             <a:endParaRPr lang="en-US" altLang="zh-CN" sz="5000" dirty="0"/>
-          </a:p>
-          <a:p>
-            <a:r>
-              <a:rPr lang="zh-CN" altLang="en-US" sz="5000" dirty="0"/>
-              <a:t>服务器操作系统配置</a:t>
-            </a:r>
-            <a:endParaRPr lang="en-US" altLang="zh-CN" sz="5000" dirty="0"/>
-          </a:p>
-          <a:p>
-            <a:r>
-              <a:rPr lang="en-US" altLang="zh-CN" sz="5000" dirty="0"/>
-              <a:t>WEB</a:t>
-            </a:r>
-            <a:r>
-              <a:rPr lang="zh-CN" altLang="en-US" sz="5000" dirty="0"/>
-              <a:t>服务器配置</a:t>
-            </a:r>
-            <a:endParaRPr lang="en-US" altLang="zh-CN" sz="5000" dirty="0"/>
-          </a:p>
-          <a:p>
-            <a:r>
-              <a:rPr lang="en-US" altLang="zh-CN" sz="5000" dirty="0"/>
-              <a:t>OS</a:t>
-            </a:r>
-            <a:r>
-              <a:rPr lang="zh-CN" altLang="en-US" sz="5000" dirty="0"/>
-              <a:t>补丁更新、升级</a:t>
-            </a:r>
-            <a:endParaRPr lang="en-US" altLang="zh-CN" sz="5000" dirty="0"/>
-          </a:p>
-          <a:p>
-            <a:r>
-              <a:rPr lang="zh-CN" altLang="en-US" sz="5000" dirty="0"/>
-              <a:t>扩容</a:t>
-            </a:r>
-            <a:endParaRPr lang="en-US" altLang="zh-CN" sz="5000" dirty="0"/>
-          </a:p>
-          <a:p>
-            <a:r>
-              <a:rPr lang="en-US" altLang="zh-CN" sz="5000" dirty="0"/>
-              <a:t>……</a:t>
-            </a:r>
-            <a:endParaRPr lang="zh-CN" altLang="en-US" sz="5000" dirty="0"/>
-          </a:p>
-        </p:txBody>
-      </p:sp>
-      <p:sp>
-        <p:nvSpPr>
-          <p:cNvPr id="4" name="文本框 3">
-            <a:extLst>
-              <a:ext uri="{FF2B5EF4-FFF2-40B4-BE49-F238E27FC236}">
-                <a16:creationId xmlns:a16="http://schemas.microsoft.com/office/drawing/2014/main" id="{909323F9-CE00-4EC0-9A0F-CA8FF173AB8D}"/>
-              </a:ext>
-            </a:extLst>
-          </p:cNvPr>
-          <p:cNvSpPr txBox="1"/>
-          <p:nvPr/>
-        </p:nvSpPr>
-        <p:spPr>
-          <a:xfrm>
-            <a:off x="8996183" y="3429000"/>
-            <a:ext cx="2939143" cy="861774"/>
-          </a:xfrm>
-          <a:prstGeom prst="rect">
-            <a:avLst/>
-          </a:prstGeom>
-          <a:solidFill>
-            <a:srgbClr val="002060"/>
-          </a:solidFill>
-          <a:ln>
-            <a:solidFill>
-              <a:schemeClr val="accent1"/>
-            </a:solidFill>
-          </a:ln>
-        </p:spPr>
-        <p:txBody>
-          <a:bodyPr wrap="square" rtlCol="0">
-            <a:spAutoFit/>
-          </a:bodyPr>
-          <a:lstStyle/>
-          <a:p>
-            <a:r>
-              <a:rPr lang="zh-CN" altLang="en-US" sz="5000" dirty="0"/>
-              <a:t>写代码</a:t>
-            </a:r>
-          </a:p>
-        </p:txBody>
-      </p:sp>
-      <p:sp>
-        <p:nvSpPr>
-          <p:cNvPr id="5" name="箭头: 右 4">
-            <a:extLst>
-              <a:ext uri="{FF2B5EF4-FFF2-40B4-BE49-F238E27FC236}">
-                <a16:creationId xmlns:a16="http://schemas.microsoft.com/office/drawing/2014/main" id="{972C97E7-07FB-4090-8F3F-25363908D848}"/>
-              </a:ext>
-            </a:extLst>
-          </p:cNvPr>
-          <p:cNvSpPr/>
-          <p:nvPr/>
-        </p:nvSpPr>
-        <p:spPr>
-          <a:xfrm>
-            <a:off x="6574221" y="3561367"/>
-            <a:ext cx="2421962" cy="597040"/>
-          </a:xfrm>
-          <a:prstGeom prst="rightArrow">
-            <a:avLst/>
-          </a:prstGeom>
-        </p:spPr>
-        <p:style>
-          <a:lnRef idx="2">
-            <a:schemeClr val="accent1">
-              <a:shade val="50000"/>
-            </a:schemeClr>
-          </a:lnRef>
-          <a:fillRef idx="1">
-            <a:schemeClr val="accent1"/>
-          </a:fillRef>
-          <a:effectRef idx="0">
-            <a:schemeClr val="accent1"/>
-          </a:effectRef>
-          <a:fontRef idx="minor">
-            <a:schemeClr val="lt1"/>
-          </a:fontRef>
-        </p:style>
-        <p:txBody>
-          <a:bodyPr rtlCol="0" anchor="ctr"/>
-          <a:lstStyle/>
-          <a:p>
-            <a:pPr algn="ctr"/>
-            <a:endParaRPr lang="zh-CN" altLang="en-US"/>
           </a:p>
         </p:txBody>
       </p:sp>
     </p:spTree>
     <p:extLst>
       <p:ext uri="{BB962C8B-B14F-4D97-AF65-F5344CB8AC3E}">
-        <p14:creationId xmlns:p14="http://schemas.microsoft.com/office/powerpoint/2010/main" val="631592556"/>
+        <p14:creationId xmlns:p14="http://schemas.microsoft.com/office/powerpoint/2010/main" val="632069799"/>
       </p:ext>
     </p:extLst>
   </p:cSld>
@@ -12556,40 +12471,225 @@
           <a:chExt cx="0" cy="0"/>
         </a:xfrm>
       </p:grpSpPr>
-      <p:pic>
-        <p:nvPicPr>
-          <p:cNvPr id="5" name="图片 4">
+      <p:sp>
+        <p:nvSpPr>
+          <p:cNvPr id="3" name="内容占位符 2">
             <a:extLst>
               <a:ext uri="{FF2B5EF4-FFF2-40B4-BE49-F238E27FC236}">
-                <a16:creationId xmlns:a16="http://schemas.microsoft.com/office/drawing/2014/main" id="{B5C373E8-66E3-4DAD-8BE9-E01D41BA375A}"/>
+                <a16:creationId xmlns:a16="http://schemas.microsoft.com/office/drawing/2014/main" id="{08D9BE8F-C60A-45DA-B7B1-9FF42523BA02}"/>
               </a:ext>
             </a:extLst>
           </p:cNvPr>
-          <p:cNvPicPr>
-            <a:picLocks noChangeAspect="1"/>
-          </p:cNvPicPr>
-          <p:nvPr/>
-        </p:nvPicPr>
-        <p:blipFill>
-          <a:blip r:embed="rId2"/>
-          <a:stretch>
-            <a:fillRect/>
-          </a:stretch>
-        </p:blipFill>
+          <p:cNvSpPr>
+            <a:spLocks noGrp="1"/>
+          </p:cNvSpPr>
+          <p:nvPr>
+            <p:ph idx="1"/>
+          </p:nvPr>
+        </p:nvSpPr>
         <p:spPr>
           <a:xfrm>
-            <a:off x="1380660" y="0"/>
-            <a:ext cx="9157448" cy="6858000"/>
+            <a:off x="0" y="0"/>
+            <a:ext cx="11935326" cy="914400"/>
+          </a:xfrm>
+        </p:spPr>
+        <p:txBody>
+          <a:bodyPr>
+            <a:noAutofit/>
+          </a:bodyPr>
+          <a:lstStyle/>
+          <a:p>
+            <a:pPr marL="0" indent="0">
+              <a:spcBef>
+                <a:spcPts val="200"/>
+              </a:spcBef>
+              <a:buNone/>
+            </a:pPr>
+            <a:r>
+              <a:rPr lang="en-US" altLang="zh-CN" sz="5000" dirty="0"/>
+              <a:t>Serverless</a:t>
+            </a:r>
+          </a:p>
+        </p:txBody>
+      </p:sp>
+      <p:sp>
+        <p:nvSpPr>
+          <p:cNvPr id="2" name="文本框 1">
+            <a:extLst>
+              <a:ext uri="{FF2B5EF4-FFF2-40B4-BE49-F238E27FC236}">
+                <a16:creationId xmlns:a16="http://schemas.microsoft.com/office/drawing/2014/main" id="{1A85FC86-6BE9-4614-A864-E8BB63A136E5}"/>
+              </a:ext>
+            </a:extLst>
+          </p:cNvPr>
+          <p:cNvSpPr txBox="1"/>
+          <p:nvPr/>
+        </p:nvSpPr>
+        <p:spPr>
+          <a:xfrm>
+            <a:off x="283780" y="1686911"/>
+            <a:ext cx="6290441" cy="4708981"/>
           </a:xfrm>
           <a:prstGeom prst="rect">
             <a:avLst/>
           </a:prstGeom>
+          <a:solidFill>
+            <a:srgbClr val="002060"/>
+          </a:solidFill>
+          <a:ln>
+            <a:solidFill>
+              <a:schemeClr val="accent1"/>
+            </a:solidFill>
+          </a:ln>
         </p:spPr>
-      </p:pic>
+        <p:txBody>
+          <a:bodyPr wrap="square" rtlCol="0">
+            <a:spAutoFit/>
+          </a:bodyPr>
+          <a:lstStyle/>
+          <a:p>
+            <a:r>
+              <a:rPr lang="zh-CN" altLang="en-US" sz="5000" dirty="0"/>
+              <a:t>写代码</a:t>
+            </a:r>
+            <a:endParaRPr lang="en-US" altLang="zh-CN" sz="5000" dirty="0"/>
+          </a:p>
+          <a:p>
+            <a:r>
+              <a:rPr lang="zh-CN" altLang="en-US" sz="5000" dirty="0"/>
+              <a:t>服务器操作系统配置</a:t>
+            </a:r>
+            <a:endParaRPr lang="en-US" altLang="zh-CN" sz="5000" dirty="0"/>
+          </a:p>
+          <a:p>
+            <a:r>
+              <a:rPr lang="en-US" altLang="zh-CN" sz="5000" dirty="0"/>
+              <a:t>WEB</a:t>
+            </a:r>
+            <a:r>
+              <a:rPr lang="zh-CN" altLang="en-US" sz="5000" dirty="0"/>
+              <a:t>服务器配置</a:t>
+            </a:r>
+            <a:endParaRPr lang="en-US" altLang="zh-CN" sz="5000" dirty="0"/>
+          </a:p>
+          <a:p>
+            <a:r>
+              <a:rPr lang="en-US" altLang="zh-CN" sz="5000" dirty="0"/>
+              <a:t>OS</a:t>
+            </a:r>
+            <a:r>
+              <a:rPr lang="zh-CN" altLang="en-US" sz="5000" dirty="0"/>
+              <a:t>补丁更新、升级</a:t>
+            </a:r>
+            <a:endParaRPr lang="en-US" altLang="zh-CN" sz="5000" dirty="0"/>
+          </a:p>
+          <a:p>
+            <a:r>
+              <a:rPr lang="zh-CN" altLang="en-US" sz="5000" dirty="0"/>
+              <a:t>扩容</a:t>
+            </a:r>
+            <a:endParaRPr lang="en-US" altLang="zh-CN" sz="5000" dirty="0"/>
+          </a:p>
+          <a:p>
+            <a:r>
+              <a:rPr lang="en-US" altLang="zh-CN" sz="5000" dirty="0"/>
+              <a:t>……</a:t>
+            </a:r>
+            <a:endParaRPr lang="zh-CN" altLang="en-US" sz="5000" dirty="0"/>
+          </a:p>
+        </p:txBody>
+      </p:sp>
+      <p:sp>
+        <p:nvSpPr>
+          <p:cNvPr id="4" name="文本框 3">
+            <a:extLst>
+              <a:ext uri="{FF2B5EF4-FFF2-40B4-BE49-F238E27FC236}">
+                <a16:creationId xmlns:a16="http://schemas.microsoft.com/office/drawing/2014/main" id="{909323F9-CE00-4EC0-9A0F-CA8FF173AB8D}"/>
+              </a:ext>
+            </a:extLst>
+          </p:cNvPr>
+          <p:cNvSpPr txBox="1"/>
+          <p:nvPr/>
+        </p:nvSpPr>
+        <p:spPr>
+          <a:xfrm>
+            <a:off x="8996183" y="3429000"/>
+            <a:ext cx="2939143" cy="861774"/>
+          </a:xfrm>
+          <a:prstGeom prst="rect">
+            <a:avLst/>
+          </a:prstGeom>
+          <a:solidFill>
+            <a:srgbClr val="002060"/>
+          </a:solidFill>
+          <a:ln>
+            <a:solidFill>
+              <a:schemeClr val="accent1"/>
+            </a:solidFill>
+          </a:ln>
+        </p:spPr>
+        <p:txBody>
+          <a:bodyPr wrap="square" rtlCol="0">
+            <a:spAutoFit/>
+          </a:bodyPr>
+          <a:lstStyle/>
+          <a:p>
+            <a:r>
+              <a:rPr lang="zh-CN" altLang="en-US" sz="5000" dirty="0"/>
+              <a:t>写代码</a:t>
+            </a:r>
+          </a:p>
+        </p:txBody>
+      </p:sp>
+      <p:sp>
+        <p:nvSpPr>
+          <p:cNvPr id="5" name="箭头: 右 4">
+            <a:extLst>
+              <a:ext uri="{FF2B5EF4-FFF2-40B4-BE49-F238E27FC236}">
+                <a16:creationId xmlns:a16="http://schemas.microsoft.com/office/drawing/2014/main" id="{972C97E7-07FB-4090-8F3F-25363908D848}"/>
+              </a:ext>
+            </a:extLst>
+          </p:cNvPr>
+          <p:cNvSpPr/>
+          <p:nvPr/>
+        </p:nvSpPr>
+        <p:spPr>
+          <a:xfrm>
+            <a:off x="6574221" y="3561367"/>
+            <a:ext cx="2421962" cy="597040"/>
+          </a:xfrm>
+          <a:prstGeom prst="rightArrow">
+            <a:avLst/>
+          </a:prstGeom>
+        </p:spPr>
+        <p:style>
+          <a:lnRef idx="2">
+            <a:schemeClr val="accent1">
+              <a:shade val="50000"/>
+            </a:schemeClr>
+          </a:lnRef>
+          <a:fillRef idx="1">
+            <a:schemeClr val="accent1"/>
+          </a:fillRef>
+          <a:effectRef idx="0">
+            <a:schemeClr val="accent1"/>
+          </a:effectRef>
+          <a:fontRef idx="minor">
+            <a:schemeClr val="lt1"/>
+          </a:fontRef>
+        </p:style>
+        <p:txBody>
+          <a:bodyPr rtlCol="0" anchor="ctr"/>
+          <a:lstStyle/>
+          <a:p>
+            <a:pPr algn="ctr"/>
+            <a:endParaRPr lang="zh-CN" altLang="en-US"/>
+          </a:p>
+        </p:txBody>
+      </p:sp>
     </p:spTree>
     <p:extLst>
       <p:ext uri="{BB962C8B-B14F-4D97-AF65-F5344CB8AC3E}">
-        <p14:creationId xmlns:p14="http://schemas.microsoft.com/office/powerpoint/2010/main" val="1996822691"/>
+        <p14:creationId xmlns:p14="http://schemas.microsoft.com/office/powerpoint/2010/main" val="631592556"/>
       </p:ext>
     </p:extLst>
   </p:cSld>
